--- a/Introdução NET e Servicos WCF/Introdução Plataforma .NET e Serviços com WCF.pptx
+++ b/Introdução NET e Servicos WCF/Introdução Plataforma .NET e Serviços com WCF.pptx
@@ -5,10 +5,10 @@
     <p:sldMasterId id="2147483660" r:id="rId2"/>
   </p:sldMasterIdLst>
   <p:notesMasterIdLst>
-    <p:notesMasterId r:id="rId47"/>
+    <p:notesMasterId r:id="rId49"/>
   </p:notesMasterIdLst>
   <p:handoutMasterIdLst>
-    <p:handoutMasterId r:id="rId48"/>
+    <p:handoutMasterId r:id="rId50"/>
   </p:handoutMasterIdLst>
   <p:sldIdLst>
     <p:sldId id="280" r:id="rId3"/>
@@ -54,7 +54,9 @@
     <p:sldId id="440" r:id="rId43"/>
     <p:sldId id="441" r:id="rId44"/>
     <p:sldId id="443" r:id="rId45"/>
-    <p:sldId id="444" r:id="rId46"/>
+    <p:sldId id="446" r:id="rId46"/>
+    <p:sldId id="445" r:id="rId47"/>
+    <p:sldId id="444" r:id="rId48"/>
   </p:sldIdLst>
   <p:sldSz cx="12192000" cy="6858000"/>
   <p:notesSz cx="6858000" cy="9144000"/>
@@ -231,6 +233,8 @@
             <p14:sldId id="440"/>
             <p14:sldId id="441"/>
             <p14:sldId id="443"/>
+            <p14:sldId id="446"/>
+            <p14:sldId id="445"/>
             <p14:sldId id="444"/>
           </p14:sldIdLst>
         </p14:section>
@@ -339,7 +343,7 @@
           <a:p>
             <a:fld id="{ED95D740-6A7E-4AE4-809A-1783B6BB9E99}" type="datetimeFigureOut">
               <a:rPr lang="pt-BR" smtClean="0"/>
-              <a:t>10/11/2015</a:t>
+              <a:t>15/11/2015</a:t>
             </a:fld>
             <a:endParaRPr lang="pt-BR" dirty="0"/>
           </a:p>
@@ -531,7 +535,7 @@
               <a:pPr>
                 <a:defRPr/>
               </a:pPr>
-              <a:t>10/11/2015</a:t>
+              <a:t>15/11/2015</a:t>
             </a:fld>
             <a:endParaRPr lang="pt-BR" dirty="0"/>
           </a:p>
@@ -10716,6 +10720,583 @@
     </p:spTree>
     <p:extLst>
       <p:ext uri="{BB962C8B-B14F-4D97-AF65-F5344CB8AC3E}">
+        <p14:creationId xmlns:p14="http://schemas.microsoft.com/office/powerpoint/2010/main" val="3376402419"/>
+      </p:ext>
+    </p:extLst>
+  </p:cSld>
+  <p:clrMapOvr>
+    <a:masterClrMapping/>
+  </p:clrMapOvr>
+</p:notes>
+</file>
+
+<file path=ppt/notesSlides/notesSlide41.xml><?xml version="1.0" encoding="utf-8"?>
+<p:notes xmlns:a="http://schemas.openxmlformats.org/drawingml/2006/main" xmlns:r="http://schemas.openxmlformats.org/officeDocument/2006/relationships" xmlns:p="http://schemas.openxmlformats.org/presentationml/2006/main">
+  <p:cSld>
+    <p:spTree>
+      <p:nvGrpSpPr>
+        <p:cNvPr id="1" name=""/>
+        <p:cNvGrpSpPr/>
+        <p:nvPr/>
+      </p:nvGrpSpPr>
+      <p:grpSpPr>
+        <a:xfrm>
+          <a:off x="0" y="0"/>
+          <a:ext cx="0" cy="0"/>
+          <a:chOff x="0" y="0"/>
+          <a:chExt cx="0" cy="0"/>
+        </a:xfrm>
+      </p:grpSpPr>
+      <p:sp>
+        <p:nvSpPr>
+          <p:cNvPr id="17410" name="Slide Image Placeholder 1"/>
+          <p:cNvSpPr>
+            <a:spLocks noGrp="1" noRot="1" noChangeAspect="1" noTextEdit="1"/>
+          </p:cNvSpPr>
+          <p:nvPr>
+            <p:ph type="sldImg"/>
+          </p:nvPr>
+        </p:nvSpPr>
+        <p:spPr bwMode="auto">
+          <a:noFill/>
+          <a:ln>
+            <a:solidFill>
+              <a:srgbClr val="000000"/>
+            </a:solidFill>
+            <a:miter lim="800000"/>
+            <a:headEnd/>
+            <a:tailEnd/>
+          </a:ln>
+          <a:extLst>
+            <a:ext uri="{909E8E84-426E-40DD-AFC4-6F175D3DCCD1}">
+              <a14:hiddenFill xmlns:a14="http://schemas.microsoft.com/office/drawing/2010/main">
+                <a:solidFill>
+                  <a:srgbClr val="FFFFFF"/>
+                </a:solidFill>
+              </a14:hiddenFill>
+            </a:ext>
+          </a:extLst>
+        </p:spPr>
+      </p:sp>
+      <p:sp>
+        <p:nvSpPr>
+          <p:cNvPr id="17411" name="Notes Placeholder 2"/>
+          <p:cNvSpPr>
+            <a:spLocks noGrp="1"/>
+          </p:cNvSpPr>
+          <p:nvPr>
+            <p:ph type="body" idx="1"/>
+          </p:nvPr>
+        </p:nvSpPr>
+        <p:spPr bwMode="auto">
+          <a:noFill/>
+          <a:extLst>
+            <a:ext uri="{909E8E84-426E-40DD-AFC4-6F175D3DCCD1}">
+              <a14:hiddenFill xmlns:a14="http://schemas.microsoft.com/office/drawing/2010/main">
+                <a:solidFill>
+                  <a:srgbClr val="FFFFFF"/>
+                </a:solidFill>
+              </a14:hiddenFill>
+            </a:ext>
+            <a:ext uri="{91240B29-F687-4F45-9708-019B960494DF}">
+              <a14:hiddenLine xmlns:a14="http://schemas.microsoft.com/office/drawing/2010/main" w="9525">
+                <a:solidFill>
+                  <a:srgbClr val="000000"/>
+                </a:solidFill>
+                <a:miter lim="800000"/>
+                <a:headEnd/>
+                <a:tailEnd/>
+              </a14:hiddenLine>
+            </a:ext>
+          </a:extLst>
+        </p:spPr>
+        <p:txBody>
+          <a:bodyPr wrap="square" numCol="1" anchor="t" anchorCtr="0" compatLnSpc="1">
+            <a:prstTxWarp prst="textNoShape">
+              <a:avLst/>
+            </a:prstTxWarp>
+          </a:bodyPr>
+          <a:lstStyle/>
+          <a:p>
+            <a:pPr>
+              <a:spcBef>
+                <a:spcPct val="0"/>
+              </a:spcBef>
+            </a:pPr>
+            <a:endParaRPr lang="en-US" baseline="0" dirty="0" smtClean="0">
+              <a:solidFill>
+                <a:srgbClr val="000000"/>
+              </a:solidFill>
+            </a:endParaRPr>
+          </a:p>
+        </p:txBody>
+      </p:sp>
+      <p:sp>
+        <p:nvSpPr>
+          <p:cNvPr id="17412" name="Slide Number Placeholder 3"/>
+          <p:cNvSpPr>
+            <a:spLocks noGrp="1"/>
+          </p:cNvSpPr>
+          <p:nvPr>
+            <p:ph type="sldNum" sz="quarter" idx="5"/>
+          </p:nvPr>
+        </p:nvSpPr>
+        <p:spPr bwMode="auto">
+          <a:noFill/>
+          <a:extLst>
+            <a:ext uri="{909E8E84-426E-40DD-AFC4-6F175D3DCCD1}">
+              <a14:hiddenFill xmlns:a14="http://schemas.microsoft.com/office/drawing/2010/main">
+                <a:solidFill>
+                  <a:srgbClr val="FFFFFF"/>
+                </a:solidFill>
+              </a14:hiddenFill>
+            </a:ext>
+            <a:ext uri="{91240B29-F687-4F45-9708-019B960494DF}">
+              <a14:hiddenLine xmlns:a14="http://schemas.microsoft.com/office/drawing/2010/main" w="9525">
+                <a:solidFill>
+                  <a:srgbClr val="000000"/>
+                </a:solidFill>
+                <a:miter lim="800000"/>
+                <a:headEnd/>
+                <a:tailEnd/>
+              </a14:hiddenLine>
+            </a:ext>
+          </a:extLst>
+        </p:spPr>
+        <p:txBody>
+          <a:bodyPr wrap="square" numCol="1" anchorCtr="0" compatLnSpc="1">
+            <a:prstTxWarp prst="textNoShape">
+              <a:avLst/>
+            </a:prstTxWarp>
+          </a:bodyPr>
+          <a:lstStyle>
+            <a:lvl1pPr>
+              <a:defRPr>
+                <a:solidFill>
+                  <a:schemeClr val="tx1"/>
+                </a:solidFill>
+                <a:latin typeface="Segoe UI" pitchFamily="34" charset="0"/>
+              </a:defRPr>
+            </a:lvl1pPr>
+            <a:lvl2pPr marL="742950" indent="-285750">
+              <a:defRPr>
+                <a:solidFill>
+                  <a:schemeClr val="tx1"/>
+                </a:solidFill>
+                <a:latin typeface="Segoe UI" pitchFamily="34" charset="0"/>
+              </a:defRPr>
+            </a:lvl2pPr>
+            <a:lvl3pPr marL="1143000" indent="-228600">
+              <a:defRPr>
+                <a:solidFill>
+                  <a:schemeClr val="tx1"/>
+                </a:solidFill>
+                <a:latin typeface="Segoe UI" pitchFamily="34" charset="0"/>
+              </a:defRPr>
+            </a:lvl3pPr>
+            <a:lvl4pPr marL="1600200" indent="-228600">
+              <a:defRPr>
+                <a:solidFill>
+                  <a:schemeClr val="tx1"/>
+                </a:solidFill>
+                <a:latin typeface="Segoe UI" pitchFamily="34" charset="0"/>
+              </a:defRPr>
+            </a:lvl4pPr>
+            <a:lvl5pPr marL="2057400" indent="-228600">
+              <a:defRPr>
+                <a:solidFill>
+                  <a:schemeClr val="tx1"/>
+                </a:solidFill>
+                <a:latin typeface="Segoe UI" pitchFamily="34" charset="0"/>
+              </a:defRPr>
+            </a:lvl5pPr>
+            <a:lvl6pPr marL="2514600" indent="-228600" fontAlgn="base">
+              <a:spcBef>
+                <a:spcPct val="0"/>
+              </a:spcBef>
+              <a:spcAft>
+                <a:spcPct val="0"/>
+              </a:spcAft>
+              <a:defRPr>
+                <a:solidFill>
+                  <a:schemeClr val="tx1"/>
+                </a:solidFill>
+                <a:latin typeface="Segoe UI" pitchFamily="34" charset="0"/>
+              </a:defRPr>
+            </a:lvl6pPr>
+            <a:lvl7pPr marL="2971800" indent="-228600" fontAlgn="base">
+              <a:spcBef>
+                <a:spcPct val="0"/>
+              </a:spcBef>
+              <a:spcAft>
+                <a:spcPct val="0"/>
+              </a:spcAft>
+              <a:defRPr>
+                <a:solidFill>
+                  <a:schemeClr val="tx1"/>
+                </a:solidFill>
+                <a:latin typeface="Segoe UI" pitchFamily="34" charset="0"/>
+              </a:defRPr>
+            </a:lvl7pPr>
+            <a:lvl8pPr marL="3429000" indent="-228600" fontAlgn="base">
+              <a:spcBef>
+                <a:spcPct val="0"/>
+              </a:spcBef>
+              <a:spcAft>
+                <a:spcPct val="0"/>
+              </a:spcAft>
+              <a:defRPr>
+                <a:solidFill>
+                  <a:schemeClr val="tx1"/>
+                </a:solidFill>
+                <a:latin typeface="Segoe UI" pitchFamily="34" charset="0"/>
+              </a:defRPr>
+            </a:lvl8pPr>
+            <a:lvl9pPr marL="3886200" indent="-228600" fontAlgn="base">
+              <a:spcBef>
+                <a:spcPct val="0"/>
+              </a:spcBef>
+              <a:spcAft>
+                <a:spcPct val="0"/>
+              </a:spcAft>
+              <a:defRPr>
+                <a:solidFill>
+                  <a:schemeClr val="tx1"/>
+                </a:solidFill>
+                <a:latin typeface="Segoe UI" pitchFamily="34" charset="0"/>
+              </a:defRPr>
+            </a:lvl9pPr>
+          </a:lstStyle>
+          <a:p>
+            <a:pPr fontAlgn="base">
+              <a:spcBef>
+                <a:spcPct val="0"/>
+              </a:spcBef>
+              <a:spcAft>
+                <a:spcPct val="0"/>
+              </a:spcAft>
+              <a:buSzPct val="100000"/>
+            </a:pPr>
+            <a:fld id="{71148226-639E-4790-AF07-14892D7F7E51}" type="slidenum">
+              <a:rPr lang="en-US">
+                <a:solidFill>
+                  <a:srgbClr val="000000"/>
+                </a:solidFill>
+                <a:latin typeface="Calibri" pitchFamily="34" charset="0"/>
+              </a:rPr>
+              <a:pPr fontAlgn="base">
+                <a:spcBef>
+                  <a:spcPct val="0"/>
+                </a:spcBef>
+                <a:spcAft>
+                  <a:spcPct val="0"/>
+                </a:spcAft>
+                <a:buSzPct val="100000"/>
+              </a:pPr>
+              <a:t>45</a:t>
+            </a:fld>
+            <a:endParaRPr lang="en-US">
+              <a:solidFill>
+                <a:srgbClr val="000000"/>
+              </a:solidFill>
+              <a:latin typeface="Calibri" pitchFamily="34" charset="0"/>
+            </a:endParaRPr>
+          </a:p>
+        </p:txBody>
+      </p:sp>
+    </p:spTree>
+    <p:extLst>
+      <p:ext uri="{BB962C8B-B14F-4D97-AF65-F5344CB8AC3E}">
+        <p14:creationId xmlns:p14="http://schemas.microsoft.com/office/powerpoint/2010/main" val="3231736841"/>
+      </p:ext>
+    </p:extLst>
+  </p:cSld>
+  <p:clrMapOvr>
+    <a:masterClrMapping/>
+  </p:clrMapOvr>
+</p:notes>
+</file>
+
+<file path=ppt/notesSlides/notesSlide42.xml><?xml version="1.0" encoding="utf-8"?>
+<p:notes xmlns:a="http://schemas.openxmlformats.org/drawingml/2006/main" xmlns:r="http://schemas.openxmlformats.org/officeDocument/2006/relationships" xmlns:p="http://schemas.openxmlformats.org/presentationml/2006/main">
+  <p:cSld>
+    <p:spTree>
+      <p:nvGrpSpPr>
+        <p:cNvPr id="1" name=""/>
+        <p:cNvGrpSpPr/>
+        <p:nvPr/>
+      </p:nvGrpSpPr>
+      <p:grpSpPr>
+        <a:xfrm>
+          <a:off x="0" y="0"/>
+          <a:ext cx="0" cy="0"/>
+          <a:chOff x="0" y="0"/>
+          <a:chExt cx="0" cy="0"/>
+        </a:xfrm>
+      </p:grpSpPr>
+      <p:sp>
+        <p:nvSpPr>
+          <p:cNvPr id="17410" name="Slide Image Placeholder 1"/>
+          <p:cNvSpPr>
+            <a:spLocks noGrp="1" noRot="1" noChangeAspect="1" noTextEdit="1"/>
+          </p:cNvSpPr>
+          <p:nvPr>
+            <p:ph type="sldImg"/>
+          </p:nvPr>
+        </p:nvSpPr>
+        <p:spPr bwMode="auto">
+          <a:noFill/>
+          <a:ln>
+            <a:solidFill>
+              <a:srgbClr val="000000"/>
+            </a:solidFill>
+            <a:miter lim="800000"/>
+            <a:headEnd/>
+            <a:tailEnd/>
+          </a:ln>
+          <a:extLst>
+            <a:ext uri="{909E8E84-426E-40DD-AFC4-6F175D3DCCD1}">
+              <a14:hiddenFill xmlns:a14="http://schemas.microsoft.com/office/drawing/2010/main">
+                <a:solidFill>
+                  <a:srgbClr val="FFFFFF"/>
+                </a:solidFill>
+              </a14:hiddenFill>
+            </a:ext>
+          </a:extLst>
+        </p:spPr>
+      </p:sp>
+      <p:sp>
+        <p:nvSpPr>
+          <p:cNvPr id="17411" name="Notes Placeholder 2"/>
+          <p:cNvSpPr>
+            <a:spLocks noGrp="1"/>
+          </p:cNvSpPr>
+          <p:nvPr>
+            <p:ph type="body" idx="1"/>
+          </p:nvPr>
+        </p:nvSpPr>
+        <p:spPr bwMode="auto">
+          <a:noFill/>
+          <a:extLst>
+            <a:ext uri="{909E8E84-426E-40DD-AFC4-6F175D3DCCD1}">
+              <a14:hiddenFill xmlns:a14="http://schemas.microsoft.com/office/drawing/2010/main">
+                <a:solidFill>
+                  <a:srgbClr val="FFFFFF"/>
+                </a:solidFill>
+              </a14:hiddenFill>
+            </a:ext>
+            <a:ext uri="{91240B29-F687-4F45-9708-019B960494DF}">
+              <a14:hiddenLine xmlns:a14="http://schemas.microsoft.com/office/drawing/2010/main" w="9525">
+                <a:solidFill>
+                  <a:srgbClr val="000000"/>
+                </a:solidFill>
+                <a:miter lim="800000"/>
+                <a:headEnd/>
+                <a:tailEnd/>
+              </a14:hiddenLine>
+            </a:ext>
+          </a:extLst>
+        </p:spPr>
+        <p:txBody>
+          <a:bodyPr wrap="square" numCol="1" anchor="t" anchorCtr="0" compatLnSpc="1">
+            <a:prstTxWarp prst="textNoShape">
+              <a:avLst/>
+            </a:prstTxWarp>
+          </a:bodyPr>
+          <a:lstStyle/>
+          <a:p>
+            <a:pPr>
+              <a:spcBef>
+                <a:spcPct val="0"/>
+              </a:spcBef>
+            </a:pPr>
+            <a:r>
+              <a:rPr lang="en-US" smtClean="0">
+                <a:solidFill>
+                  <a:srgbClr val="000000"/>
+                </a:solidFill>
+              </a:rPr>
+              <a:t>No modo Apresentação de Slides, clique na seta para entrar no PowerPoint Getting Started Center.</a:t>
+            </a:r>
+          </a:p>
+        </p:txBody>
+      </p:sp>
+      <p:sp>
+        <p:nvSpPr>
+          <p:cNvPr id="17412" name="Slide Number Placeholder 3"/>
+          <p:cNvSpPr>
+            <a:spLocks noGrp="1"/>
+          </p:cNvSpPr>
+          <p:nvPr>
+            <p:ph type="sldNum" sz="quarter" idx="5"/>
+          </p:nvPr>
+        </p:nvSpPr>
+        <p:spPr bwMode="auto">
+          <a:noFill/>
+          <a:extLst>
+            <a:ext uri="{909E8E84-426E-40DD-AFC4-6F175D3DCCD1}">
+              <a14:hiddenFill xmlns:a14="http://schemas.microsoft.com/office/drawing/2010/main">
+                <a:solidFill>
+                  <a:srgbClr val="FFFFFF"/>
+                </a:solidFill>
+              </a14:hiddenFill>
+            </a:ext>
+            <a:ext uri="{91240B29-F687-4F45-9708-019B960494DF}">
+              <a14:hiddenLine xmlns:a14="http://schemas.microsoft.com/office/drawing/2010/main" w="9525">
+                <a:solidFill>
+                  <a:srgbClr val="000000"/>
+                </a:solidFill>
+                <a:miter lim="800000"/>
+                <a:headEnd/>
+                <a:tailEnd/>
+              </a14:hiddenLine>
+            </a:ext>
+          </a:extLst>
+        </p:spPr>
+        <p:txBody>
+          <a:bodyPr wrap="square" numCol="1" anchorCtr="0" compatLnSpc="1">
+            <a:prstTxWarp prst="textNoShape">
+              <a:avLst/>
+            </a:prstTxWarp>
+          </a:bodyPr>
+          <a:lstStyle>
+            <a:lvl1pPr>
+              <a:defRPr>
+                <a:solidFill>
+                  <a:schemeClr val="tx1"/>
+                </a:solidFill>
+                <a:latin typeface="Segoe UI" pitchFamily="34" charset="0"/>
+              </a:defRPr>
+            </a:lvl1pPr>
+            <a:lvl2pPr marL="742950" indent="-285750">
+              <a:defRPr>
+                <a:solidFill>
+                  <a:schemeClr val="tx1"/>
+                </a:solidFill>
+                <a:latin typeface="Segoe UI" pitchFamily="34" charset="0"/>
+              </a:defRPr>
+            </a:lvl2pPr>
+            <a:lvl3pPr marL="1143000" indent="-228600">
+              <a:defRPr>
+                <a:solidFill>
+                  <a:schemeClr val="tx1"/>
+                </a:solidFill>
+                <a:latin typeface="Segoe UI" pitchFamily="34" charset="0"/>
+              </a:defRPr>
+            </a:lvl3pPr>
+            <a:lvl4pPr marL="1600200" indent="-228600">
+              <a:defRPr>
+                <a:solidFill>
+                  <a:schemeClr val="tx1"/>
+                </a:solidFill>
+                <a:latin typeface="Segoe UI" pitchFamily="34" charset="0"/>
+              </a:defRPr>
+            </a:lvl4pPr>
+            <a:lvl5pPr marL="2057400" indent="-228600">
+              <a:defRPr>
+                <a:solidFill>
+                  <a:schemeClr val="tx1"/>
+                </a:solidFill>
+                <a:latin typeface="Segoe UI" pitchFamily="34" charset="0"/>
+              </a:defRPr>
+            </a:lvl5pPr>
+            <a:lvl6pPr marL="2514600" indent="-228600" fontAlgn="base">
+              <a:spcBef>
+                <a:spcPct val="0"/>
+              </a:spcBef>
+              <a:spcAft>
+                <a:spcPct val="0"/>
+              </a:spcAft>
+              <a:defRPr>
+                <a:solidFill>
+                  <a:schemeClr val="tx1"/>
+                </a:solidFill>
+                <a:latin typeface="Segoe UI" pitchFamily="34" charset="0"/>
+              </a:defRPr>
+            </a:lvl6pPr>
+            <a:lvl7pPr marL="2971800" indent="-228600" fontAlgn="base">
+              <a:spcBef>
+                <a:spcPct val="0"/>
+              </a:spcBef>
+              <a:spcAft>
+                <a:spcPct val="0"/>
+              </a:spcAft>
+              <a:defRPr>
+                <a:solidFill>
+                  <a:schemeClr val="tx1"/>
+                </a:solidFill>
+                <a:latin typeface="Segoe UI" pitchFamily="34" charset="0"/>
+              </a:defRPr>
+            </a:lvl7pPr>
+            <a:lvl8pPr marL="3429000" indent="-228600" fontAlgn="base">
+              <a:spcBef>
+                <a:spcPct val="0"/>
+              </a:spcBef>
+              <a:spcAft>
+                <a:spcPct val="0"/>
+              </a:spcAft>
+              <a:defRPr>
+                <a:solidFill>
+                  <a:schemeClr val="tx1"/>
+                </a:solidFill>
+                <a:latin typeface="Segoe UI" pitchFamily="34" charset="0"/>
+              </a:defRPr>
+            </a:lvl8pPr>
+            <a:lvl9pPr marL="3886200" indent="-228600" fontAlgn="base">
+              <a:spcBef>
+                <a:spcPct val="0"/>
+              </a:spcBef>
+              <a:spcAft>
+                <a:spcPct val="0"/>
+              </a:spcAft>
+              <a:defRPr>
+                <a:solidFill>
+                  <a:schemeClr val="tx1"/>
+                </a:solidFill>
+                <a:latin typeface="Segoe UI" pitchFamily="34" charset="0"/>
+              </a:defRPr>
+            </a:lvl9pPr>
+          </a:lstStyle>
+          <a:p>
+            <a:pPr fontAlgn="base">
+              <a:spcBef>
+                <a:spcPct val="0"/>
+              </a:spcBef>
+              <a:spcAft>
+                <a:spcPct val="0"/>
+              </a:spcAft>
+              <a:buSzPct val="100000"/>
+            </a:pPr>
+            <a:fld id="{71148226-639E-4790-AF07-14892D7F7E51}" type="slidenum">
+              <a:rPr lang="en-US">
+                <a:solidFill>
+                  <a:srgbClr val="000000"/>
+                </a:solidFill>
+                <a:latin typeface="Calibri" pitchFamily="34" charset="0"/>
+              </a:rPr>
+              <a:pPr fontAlgn="base">
+                <a:spcBef>
+                  <a:spcPct val="0"/>
+                </a:spcBef>
+                <a:spcAft>
+                  <a:spcPct val="0"/>
+                </a:spcAft>
+                <a:buSzPct val="100000"/>
+              </a:pPr>
+              <a:t>46</a:t>
+            </a:fld>
+            <a:endParaRPr lang="en-US">
+              <a:solidFill>
+                <a:srgbClr val="000000"/>
+              </a:solidFill>
+              <a:latin typeface="Calibri" pitchFamily="34" charset="0"/>
+            </a:endParaRPr>
+          </a:p>
+        </p:txBody>
+      </p:sp>
+    </p:spTree>
+    <p:extLst>
+      <p:ext uri="{BB962C8B-B14F-4D97-AF65-F5344CB8AC3E}">
         <p14:creationId xmlns:p14="http://schemas.microsoft.com/office/powerpoint/2010/main" val="2047333486"/>
       </p:ext>
     </p:extLst>
@@ -12375,7 +12956,7 @@
               <a:pPr>
                 <a:defRPr/>
               </a:pPr>
-              <a:t>10/11/2015</a:t>
+              <a:t>15/11/2015</a:t>
             </a:fld>
             <a:endParaRPr lang="pt-BR" dirty="0"/>
           </a:p>
@@ -12730,7 +13311,7 @@
               <a:pPr>
                 <a:defRPr/>
               </a:pPr>
-              <a:t>10/11/2015</a:t>
+              <a:t>15/11/2015</a:t>
             </a:fld>
             <a:endParaRPr lang="pt-BR" dirty="0"/>
           </a:p>
@@ -13055,7 +13636,7 @@
               <a:pPr>
                 <a:defRPr/>
               </a:pPr>
-              <a:t>10/11/2015</a:t>
+              <a:t>15/11/2015</a:t>
             </a:fld>
             <a:endParaRPr lang="pt-BR" dirty="0"/>
           </a:p>
@@ -13459,7 +14040,7 @@
               <a:pPr>
                 <a:defRPr/>
               </a:pPr>
-              <a:t>10/11/2015</a:t>
+              <a:t>15/11/2015</a:t>
             </a:fld>
             <a:endParaRPr lang="pt-BR" dirty="0"/>
           </a:p>
@@ -13802,7 +14383,7 @@
               <a:pPr>
                 <a:defRPr/>
               </a:pPr>
-              <a:t>10/11/2015</a:t>
+              <a:t>15/11/2015</a:t>
             </a:fld>
             <a:endParaRPr lang="pt-BR" dirty="0"/>
           </a:p>
@@ -14334,7 +14915,7 @@
               <a:pPr>
                 <a:defRPr/>
               </a:pPr>
-              <a:t>10/11/2015</a:t>
+              <a:t>15/11/2015</a:t>
             </a:fld>
             <a:endParaRPr lang="pt-BR" dirty="0"/>
           </a:p>
@@ -14942,7 +15523,7 @@
               <a:pPr>
                 <a:defRPr/>
               </a:pPr>
-              <a:t>10/11/2015</a:t>
+              <a:t>15/11/2015</a:t>
             </a:fld>
             <a:endParaRPr lang="pt-BR" dirty="0"/>
           </a:p>
@@ -15210,7 +15791,7 @@
               <a:pPr>
                 <a:defRPr/>
               </a:pPr>
-              <a:t>10/11/2015</a:t>
+              <a:t>15/11/2015</a:t>
             </a:fld>
             <a:endParaRPr lang="pt-BR" dirty="0"/>
           </a:p>
@@ -15332,7 +15913,7 @@
               <a:pPr>
                 <a:defRPr/>
               </a:pPr>
-              <a:t>10/11/2015</a:t>
+              <a:t>15/11/2015</a:t>
             </a:fld>
             <a:endParaRPr lang="pt-BR" dirty="0"/>
           </a:p>
@@ -15656,7 +16237,7 @@
               <a:pPr>
                 <a:defRPr/>
               </a:pPr>
-              <a:t>10/11/2015</a:t>
+              <a:t>15/11/2015</a:t>
             </a:fld>
             <a:endParaRPr lang="pt-BR" dirty="0"/>
           </a:p>
@@ -15943,7 +16524,7 @@
               <a:pPr>
                 <a:defRPr/>
               </a:pPr>
-              <a:t>10/11/2015</a:t>
+              <a:t>15/11/2015</a:t>
             </a:fld>
             <a:endParaRPr lang="pt-BR" dirty="0"/>
           </a:p>
@@ -16236,7 +16817,7 @@
               <a:pPr>
                 <a:defRPr/>
               </a:pPr>
-              <a:t>10/11/2015</a:t>
+              <a:t>15/11/2015</a:t>
             </a:fld>
             <a:endParaRPr lang="pt-BR" dirty="0"/>
           </a:p>
@@ -16809,7 +17390,6 @@
               <a:rPr lang="pt-BR" b="1" dirty="0" smtClean="0"/>
               <a:t>Introdução Plataforma .NET e Serviços com WCF</a:t>
             </a:r>
-            <a:endParaRPr lang="pt-BR" b="1" dirty="0" smtClean="0"/>
           </a:p>
         </p:txBody>
       </p:sp>
@@ -16979,7 +17559,6 @@
               <a:rPr lang="pt-BR" b="1" dirty="0" smtClean="0"/>
               <a:t>PLATAFORMA .NET</a:t>
             </a:r>
-            <a:endParaRPr lang="pt-BR" b="1" dirty="0" smtClean="0"/>
           </a:p>
         </p:txBody>
       </p:sp>
@@ -17013,7 +17592,6 @@
               <a:rPr lang="pt-BR" sz="4800" dirty="0" smtClean="0"/>
               <a:t>Programador deixa de escrever código nativo para um dispositivo ou sistema operacional e desenvolve para a plataforma .NET</a:t>
             </a:r>
-            <a:endParaRPr lang="pt-BR" sz="4800" dirty="0" smtClean="0"/>
           </a:p>
         </p:txBody>
       </p:sp>
@@ -17027,13 +17605,13 @@
   <p:clrMapOvr>
     <a:masterClrMapping/>
   </p:clrMapOvr>
-  <mc:AlternateContent xmlns:mc="http://schemas.openxmlformats.org/markup-compatibility/2006">
-    <mc:Choice xmlns:p14="http://schemas.microsoft.com/office/powerpoint/2010/main" Requires="p14">
+  <mc:AlternateContent xmlns:mc="http://schemas.openxmlformats.org/markup-compatibility/2006" xmlns:p14="http://schemas.microsoft.com/office/powerpoint/2010/main">
+    <mc:Choice Requires="p14">
       <p:transition spd="med" p14:dur="700">
         <p:fade/>
       </p:transition>
     </mc:Choice>
-    <mc:Fallback>
+    <mc:Fallback xmlns="">
       <p:transition spd="med">
         <p:fade/>
       </p:transition>
@@ -17088,7 +17666,6 @@
               <a:rPr lang="pt-BR" b="1" dirty="0" smtClean="0"/>
               <a:t>PLATAFORMA .NET</a:t>
             </a:r>
-            <a:endParaRPr lang="pt-BR" b="1" dirty="0" smtClean="0"/>
           </a:p>
         </p:txBody>
       </p:sp>
@@ -17122,7 +17699,6 @@
               <a:rPr lang="pt-BR" sz="4800" dirty="0" smtClean="0"/>
               <a:t>Qualquer código desenvolvido para plataforma .NET pode ser executado em qualquer dispositivo que tenha o framework .NET instalado</a:t>
             </a:r>
-            <a:endParaRPr lang="pt-BR" sz="4800" dirty="0" smtClean="0"/>
           </a:p>
         </p:txBody>
       </p:sp>
@@ -17136,13 +17712,13 @@
   <p:clrMapOvr>
     <a:masterClrMapping/>
   </p:clrMapOvr>
-  <mc:AlternateContent xmlns:mc="http://schemas.openxmlformats.org/markup-compatibility/2006">
-    <mc:Choice xmlns:p14="http://schemas.microsoft.com/office/powerpoint/2010/main" Requires="p14">
+  <mc:AlternateContent xmlns:mc="http://schemas.openxmlformats.org/markup-compatibility/2006" xmlns:p14="http://schemas.microsoft.com/office/powerpoint/2010/main">
+    <mc:Choice Requires="p14">
       <p:transition spd="med" p14:dur="700">
         <p:fade/>
       </p:transition>
     </mc:Choice>
-    <mc:Fallback>
+    <mc:Fallback xmlns="">
       <p:transition spd="med">
         <p:fade/>
       </p:transition>
@@ -17197,7 +17773,6 @@
               <a:rPr lang="pt-BR" b="1" dirty="0" smtClean="0"/>
               <a:t>AMBIENTE DE EXECUÇÃO DA PLATAFORMA .NET</a:t>
             </a:r>
-            <a:endParaRPr lang="pt-BR" b="1" dirty="0" smtClean="0"/>
           </a:p>
         </p:txBody>
       </p:sp>
@@ -17252,13 +17827,13 @@
   <p:clrMapOvr>
     <a:masterClrMapping/>
   </p:clrMapOvr>
-  <mc:AlternateContent xmlns:mc="http://schemas.openxmlformats.org/markup-compatibility/2006">
-    <mc:Choice xmlns:p14="http://schemas.microsoft.com/office/powerpoint/2010/main" Requires="p14">
+  <mc:AlternateContent xmlns:mc="http://schemas.openxmlformats.org/markup-compatibility/2006" xmlns:p14="http://schemas.microsoft.com/office/powerpoint/2010/main">
+    <mc:Choice Requires="p14">
       <p:transition spd="med" p14:dur="700">
         <p:fade/>
       </p:transition>
     </mc:Choice>
-    <mc:Fallback>
+    <mc:Fallback xmlns="">
       <p:transition spd="med">
         <p:fade/>
       </p:transition>
@@ -17313,7 +17888,6 @@
               <a:rPr lang="pt-BR" b="1" dirty="0" smtClean="0"/>
               <a:t>ARQUITETURA PLATAFORMA .NET(NÃO EXAUSTIVO)</a:t>
             </a:r>
-            <a:endParaRPr lang="pt-BR" b="1" dirty="0" smtClean="0"/>
           </a:p>
         </p:txBody>
       </p:sp>
@@ -17368,13 +17942,13 @@
   <p:clrMapOvr>
     <a:masterClrMapping/>
   </p:clrMapOvr>
-  <mc:AlternateContent xmlns:mc="http://schemas.openxmlformats.org/markup-compatibility/2006">
-    <mc:Choice xmlns:p14="http://schemas.microsoft.com/office/powerpoint/2010/main" Requires="p14">
+  <mc:AlternateContent xmlns:mc="http://schemas.openxmlformats.org/markup-compatibility/2006" xmlns:p14="http://schemas.microsoft.com/office/powerpoint/2010/main">
+    <mc:Choice Requires="p14">
       <p:transition spd="med" p14:dur="700">
         <p:fade/>
       </p:transition>
     </mc:Choice>
-    <mc:Fallback>
+    <mc:Fallback xmlns="">
       <p:transition spd="med">
         <p:fade/>
       </p:transition>
@@ -17429,7 +18003,6 @@
               <a:rPr lang="pt-BR" b="1" dirty="0" smtClean="0"/>
               <a:t>MODELO DE EXECUÇÃO PLATAFORMA .NET</a:t>
             </a:r>
-            <a:endParaRPr lang="pt-BR" b="1" dirty="0" smtClean="0"/>
           </a:p>
         </p:txBody>
       </p:sp>
@@ -17484,13 +18057,13 @@
   <p:clrMapOvr>
     <a:masterClrMapping/>
   </p:clrMapOvr>
-  <mc:AlternateContent xmlns:mc="http://schemas.openxmlformats.org/markup-compatibility/2006">
-    <mc:Choice xmlns:p14="http://schemas.microsoft.com/office/powerpoint/2010/main" Requires="p14">
+  <mc:AlternateContent xmlns:mc="http://schemas.openxmlformats.org/markup-compatibility/2006" xmlns:p14="http://schemas.microsoft.com/office/powerpoint/2010/main">
+    <mc:Choice Requires="p14">
       <p:transition spd="med" p14:dur="700">
         <p:fade/>
       </p:transition>
     </mc:Choice>
-    <mc:Fallback>
+    <mc:Fallback xmlns="">
       <p:transition spd="med">
         <p:fade/>
       </p:transition>
@@ -17545,7 +18118,6 @@
               <a:rPr lang="pt-BR" b="1" dirty="0" smtClean="0"/>
               <a:t>HISTÓRICO DA PLATAFORMA .NET</a:t>
             </a:r>
-            <a:endParaRPr lang="pt-BR" b="1" dirty="0" smtClean="0"/>
           </a:p>
         </p:txBody>
       </p:sp>
@@ -17600,13 +18172,13 @@
   <p:clrMapOvr>
     <a:masterClrMapping/>
   </p:clrMapOvr>
-  <mc:AlternateContent xmlns:mc="http://schemas.openxmlformats.org/markup-compatibility/2006">
-    <mc:Choice xmlns:p14="http://schemas.microsoft.com/office/powerpoint/2010/main" Requires="p14">
+  <mc:AlternateContent xmlns:mc="http://schemas.openxmlformats.org/markup-compatibility/2006" xmlns:p14="http://schemas.microsoft.com/office/powerpoint/2010/main">
+    <mc:Choice Requires="p14">
       <p:transition spd="med" p14:dur="700">
         <p:fade/>
       </p:transition>
     </mc:Choice>
-    <mc:Fallback>
+    <mc:Fallback xmlns="">
       <p:transition spd="med">
         <p:fade/>
       </p:transition>
@@ -17661,7 +18233,6 @@
               <a:rPr lang="pt-BR" b="1" dirty="0" smtClean="0"/>
               <a:t>PLATAFORMA .NET</a:t>
             </a:r>
-            <a:endParaRPr lang="pt-BR" b="1" dirty="0" smtClean="0"/>
           </a:p>
         </p:txBody>
       </p:sp>
@@ -17716,13 +18287,13 @@
   <p:clrMapOvr>
     <a:masterClrMapping/>
   </p:clrMapOvr>
-  <mc:AlternateContent xmlns:mc="http://schemas.openxmlformats.org/markup-compatibility/2006">
-    <mc:Choice xmlns:p14="http://schemas.microsoft.com/office/powerpoint/2010/main" Requires="p14">
+  <mc:AlternateContent xmlns:mc="http://schemas.openxmlformats.org/markup-compatibility/2006" xmlns:p14="http://schemas.microsoft.com/office/powerpoint/2010/main">
+    <mc:Choice Requires="p14">
       <p:transition spd="med" p14:dur="700">
         <p:fade/>
       </p:transition>
     </mc:Choice>
-    <mc:Fallback>
+    <mc:Fallback xmlns="">
       <p:transition spd="med">
         <p:fade/>
       </p:transition>
@@ -17777,7 +18348,6 @@
               <a:rPr lang="pt-BR" b="1" dirty="0" smtClean="0"/>
               <a:t>FUTURO DA PLATAFORMA</a:t>
             </a:r>
-            <a:endParaRPr lang="pt-BR" b="1" dirty="0" smtClean="0"/>
           </a:p>
         </p:txBody>
       </p:sp>
@@ -17832,13 +18402,13 @@
   <p:clrMapOvr>
     <a:masterClrMapping/>
   </p:clrMapOvr>
-  <mc:AlternateContent xmlns:mc="http://schemas.openxmlformats.org/markup-compatibility/2006">
-    <mc:Choice xmlns:p14="http://schemas.microsoft.com/office/powerpoint/2010/main" Requires="p14">
+  <mc:AlternateContent xmlns:mc="http://schemas.openxmlformats.org/markup-compatibility/2006" xmlns:p14="http://schemas.microsoft.com/office/powerpoint/2010/main">
+    <mc:Choice Requires="p14">
       <p:transition spd="med" p14:dur="700">
         <p:fade/>
       </p:transition>
     </mc:Choice>
-    <mc:Fallback>
+    <mc:Fallback xmlns="">
       <p:transition spd="med">
         <p:fade/>
       </p:transition>
@@ -17893,7 +18463,6 @@
               <a:rPr lang="pt-BR" b="1" dirty="0" smtClean="0"/>
               <a:t>CONHECENDO O VISUAL STUDIO</a:t>
             </a:r>
-            <a:endParaRPr lang="pt-BR" b="1" dirty="0" smtClean="0"/>
           </a:p>
         </p:txBody>
       </p:sp>
@@ -17967,13 +18536,13 @@
   <p:clrMapOvr>
     <a:masterClrMapping/>
   </p:clrMapOvr>
-  <mc:AlternateContent xmlns:mc="http://schemas.openxmlformats.org/markup-compatibility/2006">
-    <mc:Choice xmlns:p14="http://schemas.microsoft.com/office/powerpoint/2010/main" Requires="p14">
+  <mc:AlternateContent xmlns:mc="http://schemas.openxmlformats.org/markup-compatibility/2006" xmlns:p14="http://schemas.microsoft.com/office/powerpoint/2010/main">
+    <mc:Choice Requires="p14">
       <p:transition spd="med" p14:dur="700">
         <p:fade/>
       </p:transition>
     </mc:Choice>
-    <mc:Fallback>
+    <mc:Fallback xmlns="">
       <p:transition spd="med">
         <p:fade/>
       </p:transition>
@@ -18028,7 +18597,6 @@
               <a:rPr lang="pt-BR" b="1" dirty="0" smtClean="0"/>
               <a:t>CONHECENDO O VISUAL STUDIO</a:t>
             </a:r>
-            <a:endParaRPr lang="pt-BR" b="1" dirty="0" smtClean="0"/>
           </a:p>
         </p:txBody>
       </p:sp>
@@ -18072,11 +18640,7 @@
             </a:r>
             <a:r>
               <a:rPr lang="pt-BR" sz="2400" dirty="0" smtClean="0"/>
-              <a:t>e IOS, de aplicativos WEB modernos e serviços de nuvem</a:t>
-            </a:r>
-            <a:r>
-              <a:rPr lang="pt-BR" sz="2400" dirty="0" smtClean="0"/>
-              <a:t>”</a:t>
+              <a:t>e IOS, de aplicativos WEB modernos e serviços de nuvem”</a:t>
             </a:r>
           </a:p>
           <a:p>
@@ -18209,7 +18773,6 @@
               <a:rPr lang="pt-BR" b="1" dirty="0" smtClean="0"/>
               <a:t>Parte 1</a:t>
             </a:r>
-            <a:endParaRPr lang="pt-BR" b="1" dirty="0" smtClean="0"/>
           </a:p>
         </p:txBody>
       </p:sp>
@@ -18247,11 +18810,6 @@
               </a:rPr>
               <a:t>Introdução plataforma .NET</a:t>
             </a:r>
-            <a:endParaRPr lang="pt-BR" sz="2400" dirty="0" smtClean="0">
-              <a:solidFill>
-                <a:srgbClr val="FFFFFF"/>
-              </a:solidFill>
-            </a:endParaRPr>
           </a:p>
           <a:p>
             <a:pPr>
@@ -18280,11 +18838,6 @@
               </a:rPr>
               <a:t>Arquitetura de referência para o treinamento</a:t>
             </a:r>
-            <a:endParaRPr lang="pt-BR" sz="2400" dirty="0" smtClean="0">
-              <a:solidFill>
-                <a:srgbClr val="FFFFFF"/>
-              </a:solidFill>
-            </a:endParaRPr>
           </a:p>
         </p:txBody>
       </p:sp>
@@ -18499,7 +19052,6 @@
               <a:rPr lang="pt-BR" b="1" dirty="0" smtClean="0"/>
               <a:t>CONHECENDO O VISUAL STUDIO</a:t>
             </a:r>
-            <a:endParaRPr lang="pt-BR" b="1" dirty="0" smtClean="0"/>
           </a:p>
         </p:txBody>
       </p:sp>
@@ -18537,13 +19089,13 @@
   <p:clrMapOvr>
     <a:masterClrMapping/>
   </p:clrMapOvr>
-  <mc:AlternateContent xmlns:mc="http://schemas.openxmlformats.org/markup-compatibility/2006">
-    <mc:Choice xmlns:p14="http://schemas.microsoft.com/office/powerpoint/2010/main" Requires="p14">
+  <mc:AlternateContent xmlns:mc="http://schemas.openxmlformats.org/markup-compatibility/2006" xmlns:p14="http://schemas.microsoft.com/office/powerpoint/2010/main">
+    <mc:Choice Requires="p14">
       <p:transition spd="med" p14:dur="700">
         <p:fade/>
       </p:transition>
     </mc:Choice>
-    <mc:Fallback>
+    <mc:Fallback xmlns="">
       <p:transition spd="med">
         <p:fade/>
       </p:transition>
@@ -18598,7 +19150,6 @@
               <a:rPr lang="pt-BR" b="1" dirty="0" smtClean="0"/>
               <a:t>ARQUITETURA DE REFERÊCIA</a:t>
             </a:r>
-            <a:endParaRPr lang="pt-BR" b="1" dirty="0" smtClean="0"/>
           </a:p>
         </p:txBody>
       </p:sp>
@@ -18672,13 +19223,13 @@
   <p:clrMapOvr>
     <a:masterClrMapping/>
   </p:clrMapOvr>
-  <mc:AlternateContent xmlns:mc="http://schemas.openxmlformats.org/markup-compatibility/2006">
-    <mc:Choice xmlns:p14="http://schemas.microsoft.com/office/powerpoint/2010/main" Requires="p14">
+  <mc:AlternateContent xmlns:mc="http://schemas.openxmlformats.org/markup-compatibility/2006" xmlns:p14="http://schemas.microsoft.com/office/powerpoint/2010/main">
+    <mc:Choice Requires="p14">
       <p:transition spd="med" p14:dur="700">
         <p:fade/>
       </p:transition>
     </mc:Choice>
-    <mc:Fallback>
+    <mc:Fallback xmlns="">
       <p:transition spd="med">
         <p:fade/>
       </p:transition>
@@ -18846,7 +19397,6 @@
               <a:rPr lang="pt-BR" b="1" dirty="0" smtClean="0"/>
               <a:t>ARQUITETURA DE REFERÊNCIA INTEGRAÇÃO SEM PARAR</a:t>
             </a:r>
-            <a:endParaRPr lang="pt-BR" b="1" dirty="0" smtClean="0"/>
           </a:p>
         </p:txBody>
       </p:sp>
@@ -19873,13 +20423,13 @@
   <p:clrMapOvr>
     <a:masterClrMapping/>
   </p:clrMapOvr>
-  <mc:AlternateContent xmlns:mc="http://schemas.openxmlformats.org/markup-compatibility/2006">
-    <mc:Choice xmlns:p14="http://schemas.microsoft.com/office/powerpoint/2010/main" Requires="p14">
+  <mc:AlternateContent xmlns:mc="http://schemas.openxmlformats.org/markup-compatibility/2006" xmlns:p14="http://schemas.microsoft.com/office/powerpoint/2010/main">
+    <mc:Choice Requires="p14">
       <p:transition spd="med" p14:dur="700">
         <p:fade/>
       </p:transition>
     </mc:Choice>
-    <mc:Fallback>
+    <mc:Fallback xmlns="">
       <p:transition spd="med">
         <p:fade/>
       </p:transition>
@@ -19939,7 +20489,6 @@
               <a:rPr lang="pt-BR" b="1" dirty="0" smtClean="0"/>
               <a:t>Parte 2</a:t>
             </a:r>
-            <a:endParaRPr lang="pt-BR" b="1" dirty="0" smtClean="0"/>
           </a:p>
         </p:txBody>
       </p:sp>
@@ -20135,13 +20684,13 @@
   <p:clrMapOvr>
     <a:masterClrMapping/>
   </p:clrMapOvr>
-  <mc:AlternateContent xmlns:mc="http://schemas.openxmlformats.org/markup-compatibility/2006">
-    <mc:Choice xmlns:p14="http://schemas.microsoft.com/office/powerpoint/2010/main" Requires="p14">
+  <mc:AlternateContent xmlns:mc="http://schemas.openxmlformats.org/markup-compatibility/2006" xmlns:p14="http://schemas.microsoft.com/office/powerpoint/2010/main">
+    <mc:Choice Requires="p14">
       <p:transition spd="med" p14:dur="700">
         <p:fade/>
       </p:transition>
     </mc:Choice>
-    <mc:Fallback>
+    <mc:Fallback xmlns="">
       <p:transition spd="med">
         <p:fade/>
       </p:transition>
@@ -20309,7 +20858,6 @@
               <a:rPr lang="pt-BR" b="1" dirty="0" smtClean="0"/>
               <a:t>ARQUITETURA DE REFERÊNCIA INTEGRAÇÃO SEM PARAR</a:t>
             </a:r>
-            <a:endParaRPr lang="pt-BR" b="1" dirty="0" smtClean="0"/>
           </a:p>
         </p:txBody>
       </p:sp>
@@ -21382,13 +21930,13 @@
   <p:clrMapOvr>
     <a:masterClrMapping/>
   </p:clrMapOvr>
-  <mc:AlternateContent xmlns:mc="http://schemas.openxmlformats.org/markup-compatibility/2006">
-    <mc:Choice xmlns:p14="http://schemas.microsoft.com/office/powerpoint/2010/main" Requires="p14">
+  <mc:AlternateContent xmlns:mc="http://schemas.openxmlformats.org/markup-compatibility/2006" xmlns:p14="http://schemas.microsoft.com/office/powerpoint/2010/main">
+    <mc:Choice Requires="p14">
       <p:transition spd="med" p14:dur="700">
         <p:fade/>
       </p:transition>
     </mc:Choice>
-    <mc:Fallback>
+    <mc:Fallback xmlns="">
       <p:transition spd="med">
         <p:fade/>
       </p:transition>
@@ -21443,7 +21991,6 @@
               <a:rPr lang="pt-BR" b="1" dirty="0" smtClean="0"/>
               <a:t>ADO.NET</a:t>
             </a:r>
-            <a:endParaRPr lang="pt-BR" b="1" dirty="0" smtClean="0"/>
           </a:p>
         </p:txBody>
       </p:sp>
@@ -21537,13 +22084,13 @@
   <p:clrMapOvr>
     <a:masterClrMapping/>
   </p:clrMapOvr>
-  <mc:AlternateContent xmlns:mc="http://schemas.openxmlformats.org/markup-compatibility/2006">
-    <mc:Choice xmlns:p14="http://schemas.microsoft.com/office/powerpoint/2010/main" Requires="p14">
+  <mc:AlternateContent xmlns:mc="http://schemas.openxmlformats.org/markup-compatibility/2006" xmlns:p14="http://schemas.microsoft.com/office/powerpoint/2010/main">
+    <mc:Choice Requires="p14">
       <p:transition spd="med" p14:dur="700">
         <p:fade/>
       </p:transition>
     </mc:Choice>
-    <mc:Fallback>
+    <mc:Fallback xmlns="">
       <p:transition spd="med">
         <p:fade/>
       </p:transition>
@@ -21598,7 +22145,6 @@
               <a:rPr lang="pt-BR" b="1" dirty="0" smtClean="0"/>
               <a:t>ADO.NET Arquitetura</a:t>
             </a:r>
-            <a:endParaRPr lang="pt-BR" b="1" dirty="0" smtClean="0"/>
           </a:p>
         </p:txBody>
       </p:sp>
@@ -21721,13 +22267,13 @@
   <p:clrMapOvr>
     <a:masterClrMapping/>
   </p:clrMapOvr>
-  <mc:AlternateContent xmlns:mc="http://schemas.openxmlformats.org/markup-compatibility/2006">
-    <mc:Choice xmlns:p14="http://schemas.microsoft.com/office/powerpoint/2010/main" Requires="p14">
+  <mc:AlternateContent xmlns:mc="http://schemas.openxmlformats.org/markup-compatibility/2006" xmlns:p14="http://schemas.microsoft.com/office/powerpoint/2010/main">
+    <mc:Choice Requires="p14">
       <p:transition spd="med" p14:dur="700">
         <p:fade/>
       </p:transition>
     </mc:Choice>
-    <mc:Fallback>
+    <mc:Fallback xmlns="">
       <p:transition spd="med">
         <p:fade/>
       </p:transition>
@@ -21782,7 +22328,6 @@
               <a:rPr lang="pt-BR" b="1" dirty="0" smtClean="0"/>
               <a:t>ADO.NET Arquitetura</a:t>
             </a:r>
-            <a:endParaRPr lang="pt-BR" b="1" dirty="0" smtClean="0"/>
           </a:p>
         </p:txBody>
       </p:sp>
@@ -22131,7 +22676,6 @@
               <a:rPr lang="pt-BR" sz="2400" dirty="0" smtClean="0"/>
               <a:t>Criando uma base de dados, consumindo e alterando dados</a:t>
             </a:r>
-            <a:endParaRPr lang="pt-BR" sz="2400" dirty="0" smtClean="0"/>
           </a:p>
         </p:txBody>
       </p:sp>
@@ -22145,13 +22689,13 @@
   <p:clrMapOvr>
     <a:masterClrMapping/>
   </p:clrMapOvr>
-  <mc:AlternateContent xmlns:mc="http://schemas.openxmlformats.org/markup-compatibility/2006">
-    <mc:Choice xmlns:p14="http://schemas.microsoft.com/office/powerpoint/2010/main" Requires="p14">
+  <mc:AlternateContent xmlns:mc="http://schemas.openxmlformats.org/markup-compatibility/2006" xmlns:p14="http://schemas.microsoft.com/office/powerpoint/2010/main">
+    <mc:Choice Requires="p14">
       <p:transition spd="med" p14:dur="700">
         <p:fade/>
       </p:transition>
     </mc:Choice>
-    <mc:Fallback>
+    <mc:Fallback xmlns="">
       <p:transition spd="med">
         <p:fade/>
       </p:transition>
@@ -22211,7 +22755,6 @@
               <a:rPr lang="pt-BR" b="1" dirty="0" smtClean="0"/>
               <a:t>Parte 3</a:t>
             </a:r>
-            <a:endParaRPr lang="pt-BR" b="1" dirty="0" smtClean="0"/>
           </a:p>
         </p:txBody>
       </p:sp>
@@ -22421,13 +22964,13 @@
   <p:clrMapOvr>
     <a:masterClrMapping/>
   </p:clrMapOvr>
-  <mc:AlternateContent xmlns:mc="http://schemas.openxmlformats.org/markup-compatibility/2006">
-    <mc:Choice xmlns:p14="http://schemas.microsoft.com/office/powerpoint/2010/main" Requires="p14">
+  <mc:AlternateContent xmlns:mc="http://schemas.openxmlformats.org/markup-compatibility/2006" xmlns:p14="http://schemas.microsoft.com/office/powerpoint/2010/main">
+    <mc:Choice Requires="p14">
       <p:transition spd="med" p14:dur="700">
         <p:fade/>
       </p:transition>
     </mc:Choice>
-    <mc:Fallback>
+    <mc:Fallback xmlns="">
       <p:transition spd="med">
         <p:fade/>
       </p:transition>
@@ -22595,7 +23138,6 @@
               <a:rPr lang="pt-BR" b="1" dirty="0" smtClean="0"/>
               <a:t>ARQUITETURA DE REFERÊNCIA INTEGRAÇÃO SEM PARAR</a:t>
             </a:r>
-            <a:endParaRPr lang="pt-BR" b="1" dirty="0" smtClean="0"/>
           </a:p>
         </p:txBody>
       </p:sp>
@@ -23646,13 +24188,13 @@
   <p:clrMapOvr>
     <a:masterClrMapping/>
   </p:clrMapOvr>
-  <mc:AlternateContent xmlns:mc="http://schemas.openxmlformats.org/markup-compatibility/2006">
-    <mc:Choice xmlns:p14="http://schemas.microsoft.com/office/powerpoint/2010/main" Requires="p14">
+  <mc:AlternateContent xmlns:mc="http://schemas.openxmlformats.org/markup-compatibility/2006" xmlns:p14="http://schemas.microsoft.com/office/powerpoint/2010/main">
+    <mc:Choice Requires="p14">
       <p:transition spd="med" p14:dur="700">
         <p:fade/>
       </p:transition>
     </mc:Choice>
-    <mc:Fallback>
+    <mc:Fallback xmlns="">
       <p:transition spd="med">
         <p:fade/>
       </p:transition>
@@ -24738,7 +25280,6 @@
               <a:rPr lang="pt-BR" b="1" dirty="0" smtClean="0"/>
               <a:t>WCF – Windows Communication Foundation</a:t>
             </a:r>
-            <a:endParaRPr lang="pt-BR" b="1" dirty="0" smtClean="0"/>
           </a:p>
         </p:txBody>
       </p:sp>
@@ -24771,11 +25312,7 @@
             </a:r>
             <a:r>
               <a:rPr lang="pt-PT" sz="2400" dirty="0" smtClean="0"/>
-              <a:t>É</a:t>
-            </a:r>
-            <a:r>
-              <a:rPr lang="pt-PT" sz="2400" dirty="0" smtClean="0"/>
-              <a:t> </a:t>
+              <a:t>É </a:t>
             </a:r>
             <a:r>
               <a:rPr lang="pt-PT" sz="2400" dirty="0"/>
@@ -24881,13 +25418,13 @@
   <p:clrMapOvr>
     <a:masterClrMapping/>
   </p:clrMapOvr>
-  <mc:AlternateContent xmlns:mc="http://schemas.openxmlformats.org/markup-compatibility/2006">
-    <mc:Choice xmlns:p14="http://schemas.microsoft.com/office/powerpoint/2010/main" Requires="p14">
+  <mc:AlternateContent xmlns:mc="http://schemas.openxmlformats.org/markup-compatibility/2006" xmlns:p14="http://schemas.microsoft.com/office/powerpoint/2010/main">
+    <mc:Choice Requires="p14">
       <p:transition spd="med" p14:dur="700">
         <p:fade/>
       </p:transition>
     </mc:Choice>
-    <mc:Fallback>
+    <mc:Fallback xmlns="">
       <p:transition spd="med">
         <p:fade/>
       </p:transition>
@@ -24942,7 +25479,6 @@
               <a:rPr lang="pt-BR" b="1" dirty="0" smtClean="0"/>
               <a:t>WCF – Windows Communication Foundation</a:t>
             </a:r>
-            <a:endParaRPr lang="pt-BR" b="1" dirty="0" smtClean="0"/>
           </a:p>
         </p:txBody>
       </p:sp>
@@ -25364,13 +25900,13 @@
   <p:clrMapOvr>
     <a:masterClrMapping/>
   </p:clrMapOvr>
-  <mc:AlternateContent xmlns:mc="http://schemas.openxmlformats.org/markup-compatibility/2006">
-    <mc:Choice xmlns:p14="http://schemas.microsoft.com/office/powerpoint/2010/main" Requires="p14">
+  <mc:AlternateContent xmlns:mc="http://schemas.openxmlformats.org/markup-compatibility/2006" xmlns:p14="http://schemas.microsoft.com/office/powerpoint/2010/main">
+    <mc:Choice Requires="p14">
       <p:transition spd="med" p14:dur="700">
         <p:fade/>
       </p:transition>
     </mc:Choice>
-    <mc:Fallback>
+    <mc:Fallback xmlns="">
       <p:transition spd="med">
         <p:fade/>
       </p:transition>
@@ -25498,13 +26034,13 @@
   <p:clrMapOvr>
     <a:masterClrMapping/>
   </p:clrMapOvr>
-  <mc:AlternateContent xmlns:mc="http://schemas.openxmlformats.org/markup-compatibility/2006">
-    <mc:Choice xmlns:p14="http://schemas.microsoft.com/office/powerpoint/2010/main" Requires="p14">
+  <mc:AlternateContent xmlns:mc="http://schemas.openxmlformats.org/markup-compatibility/2006" xmlns:p14="http://schemas.microsoft.com/office/powerpoint/2010/main">
+    <mc:Choice Requires="p14">
       <p:transition spd="med" p14:dur="700">
         <p:fade/>
       </p:transition>
     </mc:Choice>
-    <mc:Fallback>
+    <mc:Fallback xmlns="">
       <p:transition spd="med">
         <p:fade/>
       </p:transition>
@@ -25559,7 +26095,6 @@
               <a:rPr lang="pt-BR" b="1" dirty="0" smtClean="0"/>
               <a:t>WCF – Fluxo de execução</a:t>
             </a:r>
-            <a:endParaRPr lang="pt-BR" b="1" dirty="0" smtClean="0"/>
           </a:p>
         </p:txBody>
       </p:sp>
@@ -25645,13 +26180,13 @@
   <p:clrMapOvr>
     <a:masterClrMapping/>
   </p:clrMapOvr>
-  <mc:AlternateContent xmlns:mc="http://schemas.openxmlformats.org/markup-compatibility/2006">
-    <mc:Choice xmlns:p14="http://schemas.microsoft.com/office/powerpoint/2010/main" Requires="p14">
+  <mc:AlternateContent xmlns:mc="http://schemas.openxmlformats.org/markup-compatibility/2006" xmlns:p14="http://schemas.microsoft.com/office/powerpoint/2010/main">
+    <mc:Choice Requires="p14">
       <p:transition spd="med" p14:dur="700">
         <p:fade/>
       </p:transition>
     </mc:Choice>
-    <mc:Fallback>
+    <mc:Fallback xmlns="">
       <p:transition spd="med">
         <p:fade/>
       </p:transition>
@@ -25744,7 +26279,6 @@
               <a:rPr lang="pt-BR" b="1" dirty="0" smtClean="0"/>
               <a:t>WCF – Hospedagem</a:t>
             </a:r>
-            <a:endParaRPr lang="pt-BR" b="1" dirty="0" smtClean="0"/>
           </a:p>
         </p:txBody>
       </p:sp>
@@ -25813,13 +26347,13 @@
   <p:clrMapOvr>
     <a:masterClrMapping/>
   </p:clrMapOvr>
-  <mc:AlternateContent xmlns:mc="http://schemas.openxmlformats.org/markup-compatibility/2006">
-    <mc:Choice xmlns:p14="http://schemas.microsoft.com/office/powerpoint/2010/main" Requires="p14">
+  <mc:AlternateContent xmlns:mc="http://schemas.openxmlformats.org/markup-compatibility/2006" xmlns:p14="http://schemas.microsoft.com/office/powerpoint/2010/main">
+    <mc:Choice Requires="p14">
       <p:transition spd="med" p14:dur="700">
         <p:fade/>
       </p:transition>
     </mc:Choice>
-    <mc:Fallback>
+    <mc:Fallback xmlns="">
       <p:transition spd="med">
         <p:fade/>
       </p:transition>
@@ -25874,7 +26408,6 @@
               <a:rPr lang="pt-BR" b="1" dirty="0" smtClean="0"/>
               <a:t>WCF</a:t>
             </a:r>
-            <a:endParaRPr lang="pt-BR" b="1" dirty="0" smtClean="0"/>
           </a:p>
         </p:txBody>
       </p:sp>
@@ -26223,7 +26756,6 @@
               <a:rPr lang="pt-BR" sz="2400" dirty="0" smtClean="0"/>
               <a:t>Construindo e hospedando um serviço WCF</a:t>
             </a:r>
-            <a:endParaRPr lang="pt-BR" sz="2400" dirty="0" smtClean="0"/>
           </a:p>
         </p:txBody>
       </p:sp>
@@ -26237,13 +26769,13 @@
   <p:clrMapOvr>
     <a:masterClrMapping/>
   </p:clrMapOvr>
-  <mc:AlternateContent xmlns:mc="http://schemas.openxmlformats.org/markup-compatibility/2006">
-    <mc:Choice xmlns:p14="http://schemas.microsoft.com/office/powerpoint/2010/main" Requires="p14">
+  <mc:AlternateContent xmlns:mc="http://schemas.openxmlformats.org/markup-compatibility/2006" xmlns:p14="http://schemas.microsoft.com/office/powerpoint/2010/main">
+    <mc:Choice Requires="p14">
       <p:transition spd="med" p14:dur="700">
         <p:fade/>
       </p:transition>
     </mc:Choice>
-    <mc:Fallback>
+    <mc:Fallback xmlns="">
       <p:transition spd="med">
         <p:fade/>
       </p:transition>
@@ -26303,7 +26835,6 @@
               <a:rPr lang="pt-BR" b="1" dirty="0" smtClean="0"/>
               <a:t>Parte 4</a:t>
             </a:r>
-            <a:endParaRPr lang="pt-BR" b="1" dirty="0" smtClean="0"/>
           </a:p>
         </p:txBody>
       </p:sp>
@@ -26526,13 +27057,13 @@
   <p:clrMapOvr>
     <a:masterClrMapping/>
   </p:clrMapOvr>
-  <mc:AlternateContent xmlns:mc="http://schemas.openxmlformats.org/markup-compatibility/2006">
-    <mc:Choice xmlns:p14="http://schemas.microsoft.com/office/powerpoint/2010/main" Requires="p14">
+  <mc:AlternateContent xmlns:mc="http://schemas.openxmlformats.org/markup-compatibility/2006" xmlns:p14="http://schemas.microsoft.com/office/powerpoint/2010/main">
+    <mc:Choice Requires="p14">
       <p:transition spd="med" p14:dur="700">
         <p:fade/>
       </p:transition>
     </mc:Choice>
-    <mc:Fallback>
+    <mc:Fallback xmlns="">
       <p:transition spd="med">
         <p:fade/>
       </p:transition>
@@ -26700,7 +27231,6 @@
               <a:rPr lang="pt-BR" b="1" dirty="0" smtClean="0"/>
               <a:t>ARQUITETURA DE REFERÊNCIA INTEGRAÇÃO SEM PARAR</a:t>
             </a:r>
-            <a:endParaRPr lang="pt-BR" b="1" dirty="0" smtClean="0"/>
           </a:p>
         </p:txBody>
       </p:sp>
@@ -27774,13 +28304,13 @@
   <p:clrMapOvr>
     <a:masterClrMapping/>
   </p:clrMapOvr>
-  <mc:AlternateContent xmlns:mc="http://schemas.openxmlformats.org/markup-compatibility/2006">
-    <mc:Choice xmlns:p14="http://schemas.microsoft.com/office/powerpoint/2010/main" Requires="p14">
+  <mc:AlternateContent xmlns:mc="http://schemas.openxmlformats.org/markup-compatibility/2006" xmlns:p14="http://schemas.microsoft.com/office/powerpoint/2010/main">
+    <mc:Choice Requires="p14">
       <p:transition spd="med" p14:dur="700">
         <p:fade/>
       </p:transition>
     </mc:Choice>
-    <mc:Fallback>
+    <mc:Fallback xmlns="">
       <p:transition spd="med">
         <p:fade/>
       </p:transition>
@@ -27835,7 +28365,6 @@
               <a:rPr lang="pt-BR" b="1" dirty="0" smtClean="0"/>
               <a:t>WebService – SOAP</a:t>
             </a:r>
-            <a:endParaRPr lang="pt-BR" b="1" dirty="0" smtClean="0"/>
           </a:p>
         </p:txBody>
       </p:sp>
@@ -27943,13 +28472,13 @@
   <p:clrMapOvr>
     <a:masterClrMapping/>
   </p:clrMapOvr>
-  <mc:AlternateContent xmlns:mc="http://schemas.openxmlformats.org/markup-compatibility/2006">
-    <mc:Choice xmlns:p14="http://schemas.microsoft.com/office/powerpoint/2010/main" Requires="p14">
+  <mc:AlternateContent xmlns:mc="http://schemas.openxmlformats.org/markup-compatibility/2006" xmlns:p14="http://schemas.microsoft.com/office/powerpoint/2010/main">
+    <mc:Choice Requires="p14">
       <p:transition spd="med" p14:dur="700">
         <p:fade/>
       </p:transition>
     </mc:Choice>
-    <mc:Fallback>
+    <mc:Fallback xmlns="">
       <p:transition spd="med">
         <p:fade/>
       </p:transition>
@@ -28004,7 +28533,6 @@
               <a:rPr lang="pt-BR" b="1" dirty="0" smtClean="0"/>
               <a:t>WebService – SOAP</a:t>
             </a:r>
-            <a:endParaRPr lang="pt-BR" b="1" dirty="0" smtClean="0"/>
           </a:p>
         </p:txBody>
       </p:sp>
@@ -28146,13 +28674,13 @@
   <p:clrMapOvr>
     <a:masterClrMapping/>
   </p:clrMapOvr>
-  <mc:AlternateContent xmlns:mc="http://schemas.openxmlformats.org/markup-compatibility/2006">
-    <mc:Choice xmlns:p14="http://schemas.microsoft.com/office/powerpoint/2010/main" Requires="p14">
+  <mc:AlternateContent xmlns:mc="http://schemas.openxmlformats.org/markup-compatibility/2006" xmlns:p14="http://schemas.microsoft.com/office/powerpoint/2010/main">
+    <mc:Choice Requires="p14">
       <p:transition spd="med" p14:dur="700">
         <p:fade/>
       </p:transition>
     </mc:Choice>
-    <mc:Fallback>
+    <mc:Fallback xmlns="">
       <p:transition spd="med">
         <p:fade/>
       </p:transition>
@@ -28563,7 +29091,6 @@
               <a:rPr lang="pt-BR" b="1" dirty="0" smtClean="0"/>
               <a:t>WebService – SOAP</a:t>
             </a:r>
-            <a:endParaRPr lang="pt-BR" b="1" dirty="0" smtClean="0"/>
           </a:p>
         </p:txBody>
       </p:sp>
@@ -28661,13 +29188,13 @@
   <p:clrMapOvr>
     <a:masterClrMapping/>
   </p:clrMapOvr>
-  <mc:AlternateContent xmlns:mc="http://schemas.openxmlformats.org/markup-compatibility/2006">
-    <mc:Choice xmlns:p14="http://schemas.microsoft.com/office/powerpoint/2010/main" Requires="p14">
+  <mc:AlternateContent xmlns:mc="http://schemas.openxmlformats.org/markup-compatibility/2006" xmlns:p14="http://schemas.microsoft.com/office/powerpoint/2010/main">
+    <mc:Choice Requires="p14">
       <p:transition spd="med" p14:dur="700">
         <p:fade/>
       </p:transition>
     </mc:Choice>
-    <mc:Fallback>
+    <mc:Fallback xmlns="">
       <p:transition spd="med">
         <p:fade/>
       </p:transition>
@@ -28722,7 +29249,6 @@
               <a:rPr lang="pt-BR" b="1" dirty="0" smtClean="0"/>
               <a:t>WebService – WSDL</a:t>
             </a:r>
-            <a:endParaRPr lang="pt-BR" b="1" dirty="0" smtClean="0"/>
           </a:p>
         </p:txBody>
       </p:sp>
@@ -28860,13 +29386,13 @@
   <p:clrMapOvr>
     <a:masterClrMapping/>
   </p:clrMapOvr>
-  <mc:AlternateContent xmlns:mc="http://schemas.openxmlformats.org/markup-compatibility/2006">
-    <mc:Choice xmlns:p14="http://schemas.microsoft.com/office/powerpoint/2010/main" Requires="p14">
+  <mc:AlternateContent xmlns:mc="http://schemas.openxmlformats.org/markup-compatibility/2006" xmlns:p14="http://schemas.microsoft.com/office/powerpoint/2010/main">
+    <mc:Choice Requires="p14">
       <p:transition spd="med" p14:dur="700">
         <p:fade/>
       </p:transition>
     </mc:Choice>
-    <mc:Fallback>
+    <mc:Fallback xmlns="">
       <p:transition spd="med">
         <p:fade/>
       </p:transition>
@@ -28921,7 +29447,6 @@
               <a:rPr lang="pt-BR" b="1" dirty="0" smtClean="0"/>
               <a:t>WebService – WSDL</a:t>
             </a:r>
-            <a:endParaRPr lang="pt-BR" b="1" dirty="0" smtClean="0"/>
           </a:p>
         </p:txBody>
       </p:sp>
@@ -28999,13 +29524,13 @@
   <p:clrMapOvr>
     <a:masterClrMapping/>
   </p:clrMapOvr>
-  <mc:AlternateContent xmlns:mc="http://schemas.openxmlformats.org/markup-compatibility/2006">
-    <mc:Choice xmlns:p14="http://schemas.microsoft.com/office/powerpoint/2010/main" Requires="p14">
+  <mc:AlternateContent xmlns:mc="http://schemas.openxmlformats.org/markup-compatibility/2006" xmlns:p14="http://schemas.microsoft.com/office/powerpoint/2010/main">
+    <mc:Choice Requires="p14">
       <p:transition spd="med" p14:dur="700">
         <p:fade/>
       </p:transition>
     </mc:Choice>
-    <mc:Fallback>
+    <mc:Fallback xmlns="">
       <p:transition spd="med">
         <p:fade/>
       </p:transition>
@@ -29060,7 +29585,6 @@
               <a:rPr lang="pt-BR" b="1" dirty="0" smtClean="0"/>
               <a:t>Webservices</a:t>
             </a:r>
-            <a:endParaRPr lang="pt-BR" b="1" dirty="0" smtClean="0"/>
           </a:p>
         </p:txBody>
       </p:sp>
@@ -29409,7 +29933,6 @@
               <a:rPr lang="pt-BR" sz="2400" dirty="0" smtClean="0"/>
               <a:t>Consumindo operações do serviço Sem Parar da VIA FÁCIL</a:t>
             </a:r>
-            <a:endParaRPr lang="pt-BR" sz="2400" dirty="0" smtClean="0"/>
           </a:p>
         </p:txBody>
       </p:sp>
@@ -29423,13 +29946,13 @@
   <p:clrMapOvr>
     <a:masterClrMapping/>
   </p:clrMapOvr>
-  <mc:AlternateContent xmlns:mc="http://schemas.openxmlformats.org/markup-compatibility/2006">
-    <mc:Choice xmlns:p14="http://schemas.microsoft.com/office/powerpoint/2010/main" Requires="p14">
+  <mc:AlternateContent xmlns:mc="http://schemas.openxmlformats.org/markup-compatibility/2006" xmlns:p14="http://schemas.microsoft.com/office/powerpoint/2010/main">
+    <mc:Choice Requires="p14">
       <p:transition spd="med" p14:dur="700">
         <p:fade/>
       </p:transition>
     </mc:Choice>
-    <mc:Fallback>
+    <mc:Fallback xmlns="">
       <p:transition spd="med">
         <p:fade/>
       </p:transition>
@@ -29469,10 +29992,15 @@
             <a:spLocks noGrp="1"/>
           </p:cNvSpPr>
           <p:nvPr>
-            <p:ph type="ctrTitle"/>
+            <p:ph type="title"/>
           </p:nvPr>
         </p:nvSpPr>
-        <p:spPr/>
+        <p:spPr>
+          <a:xfrm>
+            <a:off x="838200" y="2401888"/>
+            <a:ext cx="4508500" cy="2187575"/>
+          </a:xfrm>
+        </p:spPr>
         <p:txBody>
           <a:bodyPr/>
           <a:lstStyle/>
@@ -29482,7 +30010,11 @@
             </a:pPr>
             <a:r>
               <a:rPr lang="pt-BR" b="1" dirty="0" smtClean="0"/>
-              <a:t>Introdução Plataforma .NET e Serviços com WCF</a:t>
+              <a:t>Parte </a:t>
+            </a:r>
+            <a:r>
+              <a:rPr lang="pt-BR" b="1" dirty="0" smtClean="0"/>
+              <a:t>5</a:t>
             </a:r>
             <a:endParaRPr lang="pt-BR" b="1" dirty="0" smtClean="0"/>
           </a:p>
@@ -29495,10 +30027,15 @@
             <a:spLocks noGrp="1"/>
           </p:cNvSpPr>
           <p:nvPr>
-            <p:ph type="subTitle" idx="1"/>
+            <p:ph type="body" idx="1"/>
           </p:nvPr>
         </p:nvSpPr>
-        <p:spPr/>
+        <p:spPr>
+          <a:xfrm>
+            <a:off x="6027738" y="2217540"/>
+            <a:ext cx="5859462" cy="2827734"/>
+          </a:xfrm>
+        </p:spPr>
         <p:txBody>
           <a:bodyPr>
             <a:noAutofit/>
@@ -29510,42 +30047,12 @@
               <a:buNone/>
             </a:pPr>
             <a:r>
-              <a:rPr lang="pt-BR" sz="2400" dirty="0" err="1" smtClean="0">
-                <a:solidFill>
-                  <a:schemeClr val="bg1">
-                    <a:lumMod val="50000"/>
-                  </a:schemeClr>
+              <a:rPr lang="pt-BR" sz="2400" dirty="0" smtClean="0">
+                <a:solidFill>
+                  <a:srgbClr val="FFFFFF"/>
                 </a:solidFill>
               </a:rPr>
-              <a:t>MBCorp</a:t>
-            </a:r>
-            <a:r>
-              <a:rPr lang="pt-BR" sz="2400" dirty="0" smtClean="0">
-                <a:solidFill>
-                  <a:schemeClr val="bg1">
-                    <a:lumMod val="50000"/>
-                  </a:schemeClr>
-                </a:solidFill>
-              </a:rPr>
-              <a:t> | Treinamento e Consultoria em Arquitetura e </a:t>
-            </a:r>
-            <a:r>
-              <a:rPr lang="pt-BR" sz="2400" dirty="0" err="1" smtClean="0">
-                <a:solidFill>
-                  <a:schemeClr val="bg1">
-                    <a:lumMod val="50000"/>
-                  </a:schemeClr>
-                </a:solidFill>
-              </a:rPr>
-              <a:t>Gestão</a:t>
-            </a:r>
-            <a:r>
-              <a:rPr lang="pt-BR" sz="2400" dirty="0" err="1" smtClean="0">
-                <a:solidFill>
-                  <a:srgbClr val="FFFFFF"/>
-                </a:solidFill>
-              </a:rPr>
-              <a:t>ftware</a:t>
+              <a:t>POC Consumo Serviço Via Fácil Via requisição SOAP HTTP</a:t>
             </a:r>
             <a:endParaRPr lang="pt-BR" sz="2400" dirty="0" smtClean="0">
               <a:solidFill>
@@ -29553,40 +30060,157 @@
               </a:solidFill>
             </a:endParaRPr>
           </a:p>
-          <a:p>
-            <a:pPr>
-              <a:buFont typeface="Segoe UI" pitchFamily="34" charset="0"/>
-              <a:buNone/>
-            </a:pPr>
-            <a:r>
-              <a:rPr lang="pt-BR" sz="2400" dirty="0" smtClean="0">
+        </p:txBody>
+      </p:sp>
+      <p:sp>
+        <p:nvSpPr>
+          <p:cNvPr id="7" name="Título 1"/>
+          <p:cNvSpPr txBox="1">
+            <a:spLocks/>
+          </p:cNvSpPr>
+          <p:nvPr/>
+        </p:nvSpPr>
+        <p:spPr bwMode="auto">
+          <a:xfrm>
+            <a:off x="604838" y="0"/>
+            <a:ext cx="10748962" cy="1208088"/>
+          </a:xfrm>
+          <a:prstGeom prst="rect">
+            <a:avLst/>
+          </a:prstGeom>
+          <a:noFill/>
+          <a:ln>
+            <a:noFill/>
+          </a:ln>
+          <a:extLst>
+            <a:ext uri="{909E8E84-426E-40DD-AFC4-6F175D3DCCD1}">
+              <a14:hiddenFill xmlns:a14="http://schemas.microsoft.com/office/drawing/2010/main">
                 <a:solidFill>
                   <a:srgbClr val="FFFFFF"/>
                 </a:solidFill>
+              </a14:hiddenFill>
+            </a:ext>
+            <a:ext uri="{91240B29-F687-4F45-9708-019B960494DF}">
+              <a14:hiddenLine xmlns:a14="http://schemas.microsoft.com/office/drawing/2010/main" w="9525">
+                <a:solidFill>
+                  <a:srgbClr val="000000"/>
+                </a:solidFill>
+                <a:miter lim="800000"/>
+                <a:headEnd/>
+                <a:tailEnd/>
+              </a14:hiddenLine>
+            </a:ext>
+          </a:extLst>
+        </p:spPr>
+        <p:txBody>
+          <a:bodyPr vert="horz" wrap="square" lIns="91440" tIns="45720" rIns="91440" bIns="45720" numCol="1" anchor="b" anchorCtr="0" compatLnSpc="1">
+            <a:prstTxWarp prst="textNoShape">
+              <a:avLst/>
+            </a:prstTxWarp>
+            <a:normAutofit/>
+          </a:bodyPr>
+          <a:lstStyle>
+            <a:lvl1pPr eaLnBrk="1" hangingPunct="1">
+              <a:buSzPct val="100000"/>
+              <a:defRPr sz="3600">
+                <a:solidFill>
+                  <a:srgbClr val="FFFFFF"/>
+                </a:solidFill>
+                <a:latin typeface="+mj-lt"/>
+                <a:ea typeface="+mj-ea"/>
+                <a:cs typeface="+mj-cs"/>
+              </a:defRPr>
+            </a:lvl1pPr>
+            <a:lvl2pPr eaLnBrk="1" hangingPunct="1">
+              <a:defRPr sz="4400">
+                <a:latin typeface="Segoe UI Light" pitchFamily="34" charset="0"/>
+              </a:defRPr>
+            </a:lvl2pPr>
+            <a:lvl3pPr eaLnBrk="1" hangingPunct="1">
+              <a:defRPr sz="4400">
+                <a:latin typeface="Segoe UI Light" pitchFamily="34" charset="0"/>
+              </a:defRPr>
+            </a:lvl3pPr>
+            <a:lvl4pPr eaLnBrk="1" hangingPunct="1">
+              <a:defRPr sz="4400">
+                <a:latin typeface="Segoe UI Light" pitchFamily="34" charset="0"/>
+              </a:defRPr>
+            </a:lvl4pPr>
+            <a:lvl5pPr eaLnBrk="1" hangingPunct="1">
+              <a:defRPr sz="4400">
+                <a:latin typeface="Segoe UI Light" pitchFamily="34" charset="0"/>
+              </a:defRPr>
+            </a:lvl5pPr>
+            <a:lvl6pPr marL="457200" fontAlgn="base">
+              <a:spcBef>
+                <a:spcPct val="0"/>
+              </a:spcBef>
+              <a:spcAft>
+                <a:spcPct val="0"/>
+              </a:spcAft>
+              <a:defRPr sz="4400">
+                <a:latin typeface="Segoe UI Light" pitchFamily="34" charset="0"/>
+              </a:defRPr>
+            </a:lvl6pPr>
+            <a:lvl7pPr marL="914400" fontAlgn="base">
+              <a:spcBef>
+                <a:spcPct val="0"/>
+              </a:spcBef>
+              <a:spcAft>
+                <a:spcPct val="0"/>
+              </a:spcAft>
+              <a:defRPr sz="4400">
+                <a:latin typeface="Segoe UI Light" pitchFamily="34" charset="0"/>
+              </a:defRPr>
+            </a:lvl7pPr>
+            <a:lvl8pPr marL="1371600" fontAlgn="base">
+              <a:spcBef>
+                <a:spcPct val="0"/>
+              </a:spcBef>
+              <a:spcAft>
+                <a:spcPct val="0"/>
+              </a:spcAft>
+              <a:defRPr sz="4400">
+                <a:latin typeface="Segoe UI Light" pitchFamily="34" charset="0"/>
+              </a:defRPr>
+            </a:lvl8pPr>
+            <a:lvl9pPr marL="1828800" fontAlgn="base">
+              <a:spcBef>
+                <a:spcPct val="0"/>
+              </a:spcBef>
+              <a:spcAft>
+                <a:spcPct val="0"/>
+              </a:spcAft>
+              <a:defRPr sz="4400">
+                <a:latin typeface="Segoe UI Light" pitchFamily="34" charset="0"/>
+              </a:defRPr>
+            </a:lvl9pPr>
+          </a:lstStyle>
+          <a:p>
+            <a:r>
+              <a:rPr lang="pt-BR" dirty="0"/>
+              <a:t>O Curso </a:t>
+            </a:r>
+            <a:r>
+              <a:rPr lang="pt-BR" dirty="0">
+                <a:sym typeface="Wingdings" panose="05000000000000000000" pitchFamily="2" charset="2"/>
               </a:rPr>
-              <a:t>Revisitando Orientação a Objetos</a:t>
-            </a:r>
-          </a:p>
-          <a:p>
-            <a:pPr>
-              <a:buFont typeface="Segoe UI" pitchFamily="34" charset="0"/>
-              <a:buNone/>
-            </a:pPr>
-            <a:r>
-              <a:rPr lang="pt-BR" sz="2400" dirty="0" smtClean="0">
-                <a:solidFill>
-                  <a:srgbClr val="FFFFFF"/>
-                </a:solidFill>
+              <a:t> </a:t>
+            </a:r>
+            <a:r>
+              <a:rPr lang="pt-BR" dirty="0" smtClean="0">
+                <a:sym typeface="Wingdings" panose="05000000000000000000" pitchFamily="2" charset="2"/>
               </a:rPr>
-              <a:t>S.O.L.I.D</a:t>
-            </a:r>
+              <a:t>Agenda</a:t>
+            </a:r>
+            <a:endParaRPr lang="pt-BR" dirty="0"/>
           </a:p>
         </p:txBody>
       </p:sp>
     </p:spTree>
     <p:extLst>
       <p:ext uri="{BB962C8B-B14F-4D97-AF65-F5344CB8AC3E}">
-        <p14:creationId xmlns:p14="http://schemas.microsoft.com/office/powerpoint/2010/main" val="351503388"/>
+        <p14:creationId xmlns:p14="http://schemas.microsoft.com/office/powerpoint/2010/main" val="225981035"/>
       </p:ext>
     </p:extLst>
   </p:cSld>
@@ -29600,6 +30224,1229 @@
       </p:transition>
     </mc:Choice>
     <mc:Fallback>
+      <p:transition spd="med">
+        <p:fade/>
+      </p:transition>
+    </mc:Fallback>
+  </mc:AlternateContent>
+  <p:timing>
+    <p:tnLst>
+      <p:par>
+        <p:cTn id="1" dur="indefinite" restart="never" nodeType="tmRoot"/>
+      </p:par>
+    </p:tnLst>
+  </p:timing>
+</p:sld>
+</file>
+
+<file path=ppt/slides/slide45.xml><?xml version="1.0" encoding="utf-8"?>
+<p:sld xmlns:a="http://schemas.openxmlformats.org/drawingml/2006/main" xmlns:r="http://schemas.openxmlformats.org/officeDocument/2006/relationships" xmlns:p="http://schemas.openxmlformats.org/presentationml/2006/main">
+  <p:cSld>
+    <p:spTree>
+      <p:nvGrpSpPr>
+        <p:cNvPr id="1" name=""/>
+        <p:cNvGrpSpPr/>
+        <p:nvPr/>
+      </p:nvGrpSpPr>
+      <p:grpSpPr>
+        <a:xfrm>
+          <a:off x="0" y="0"/>
+          <a:ext cx="0" cy="0"/>
+          <a:chOff x="0" y="0"/>
+          <a:chExt cx="0" cy="0"/>
+        </a:xfrm>
+      </p:grpSpPr>
+      <p:sp>
+        <p:nvSpPr>
+          <p:cNvPr id="11" name="Retângulo de cantos arredondados 10"/>
+          <p:cNvSpPr/>
+          <p:nvPr/>
+        </p:nvSpPr>
+        <p:spPr>
+          <a:xfrm>
+            <a:off x="3727410" y="1418448"/>
+            <a:ext cx="4075885" cy="4410820"/>
+          </a:xfrm>
+          <a:prstGeom prst="roundRect">
+            <a:avLst/>
+          </a:prstGeom>
+        </p:spPr>
+        <p:style>
+          <a:lnRef idx="2">
+            <a:schemeClr val="accent1"/>
+          </a:lnRef>
+          <a:fillRef idx="1">
+            <a:schemeClr val="lt1"/>
+          </a:fillRef>
+          <a:effectRef idx="0">
+            <a:schemeClr val="accent1"/>
+          </a:effectRef>
+          <a:fontRef idx="minor">
+            <a:schemeClr val="dk1"/>
+          </a:fontRef>
+        </p:style>
+        <p:txBody>
+          <a:bodyPr rtlCol="0" anchor="t"/>
+          <a:lstStyle/>
+          <a:p>
+            <a:pPr algn="ctr"/>
+            <a:r>
+              <a:rPr lang="pt-BR" sz="1200" dirty="0" smtClean="0"/>
+              <a:t>Integrador</a:t>
+            </a:r>
+            <a:endParaRPr lang="pt-PT" sz="1200" dirty="0"/>
+          </a:p>
+        </p:txBody>
+      </p:sp>
+      <p:sp>
+        <p:nvSpPr>
+          <p:cNvPr id="5" name="Retângulo de cantos arredondados 4"/>
+          <p:cNvSpPr/>
+          <p:nvPr/>
+        </p:nvSpPr>
+        <p:spPr>
+          <a:xfrm>
+            <a:off x="386177" y="1418448"/>
+            <a:ext cx="2041393" cy="4401311"/>
+          </a:xfrm>
+          <a:prstGeom prst="roundRect">
+            <a:avLst/>
+          </a:prstGeom>
+        </p:spPr>
+        <p:style>
+          <a:lnRef idx="2">
+            <a:schemeClr val="accent1"/>
+          </a:lnRef>
+          <a:fillRef idx="1">
+            <a:schemeClr val="lt1"/>
+          </a:fillRef>
+          <a:effectRef idx="0">
+            <a:schemeClr val="accent1"/>
+          </a:effectRef>
+          <a:fontRef idx="minor">
+            <a:schemeClr val="dk1"/>
+          </a:fontRef>
+        </p:style>
+        <p:txBody>
+          <a:bodyPr rtlCol="0" anchor="t"/>
+          <a:lstStyle/>
+          <a:p>
+            <a:pPr algn="ctr"/>
+            <a:r>
+              <a:rPr lang="pt-BR" sz="1200" dirty="0" smtClean="0">
+                <a:ln w="0"/>
+                <a:solidFill>
+                  <a:schemeClr val="tx1"/>
+                </a:solidFill>
+                <a:effectLst>
+                  <a:outerShdw blurRad="38100" dist="19050" dir="2700000" algn="tl" rotWithShape="0">
+                    <a:schemeClr val="dk1">
+                      <a:alpha val="40000"/>
+                    </a:schemeClr>
+                  </a:outerShdw>
+                </a:effectLst>
+              </a:rPr>
+              <a:t>Provedor de dados via serviço</a:t>
+            </a:r>
+            <a:endParaRPr lang="pt-PT" sz="1200" dirty="0">
+              <a:ln w="0"/>
+              <a:solidFill>
+                <a:schemeClr val="tx1"/>
+              </a:solidFill>
+              <a:effectLst>
+                <a:outerShdw blurRad="38100" dist="19050" dir="2700000" algn="tl" rotWithShape="0">
+                  <a:schemeClr val="dk1">
+                    <a:alpha val="40000"/>
+                  </a:schemeClr>
+                </a:outerShdw>
+              </a:effectLst>
+            </a:endParaRPr>
+          </a:p>
+        </p:txBody>
+      </p:sp>
+      <p:sp>
+        <p:nvSpPr>
+          <p:cNvPr id="14338" name="Título 1"/>
+          <p:cNvSpPr>
+            <a:spLocks noGrp="1"/>
+          </p:cNvSpPr>
+          <p:nvPr>
+            <p:ph type="title"/>
+          </p:nvPr>
+        </p:nvSpPr>
+        <p:spPr>
+          <a:xfrm>
+            <a:off x="604434" y="0"/>
+            <a:ext cx="11463741" cy="1208868"/>
+          </a:xfrm>
+        </p:spPr>
+        <p:txBody>
+          <a:bodyPr/>
+          <a:lstStyle/>
+          <a:p>
+            <a:pPr>
+              <a:buSzPct val="100000"/>
+            </a:pPr>
+            <a:r>
+              <a:rPr lang="pt-BR" b="1" dirty="0" smtClean="0"/>
+              <a:t>POC JBS</a:t>
+            </a:r>
+            <a:endParaRPr lang="pt-BR" b="1" dirty="0" smtClean="0"/>
+          </a:p>
+        </p:txBody>
+      </p:sp>
+      <p:pic>
+        <p:nvPicPr>
+          <p:cNvPr id="3" name="Imagem 2"/>
+          <p:cNvPicPr>
+            <a:picLocks noChangeAspect="1"/>
+          </p:cNvPicPr>
+          <p:nvPr/>
+        </p:nvPicPr>
+        <p:blipFill>
+          <a:blip r:embed="rId3"/>
+          <a:stretch>
+            <a:fillRect/>
+          </a:stretch>
+        </p:blipFill>
+        <p:spPr>
+          <a:xfrm>
+            <a:off x="5444007" y="2143124"/>
+            <a:ext cx="1164805" cy="962025"/>
+          </a:xfrm>
+          <a:prstGeom prst="rect">
+            <a:avLst/>
+          </a:prstGeom>
+        </p:spPr>
+      </p:pic>
+      <p:pic>
+        <p:nvPicPr>
+          <p:cNvPr id="7174" name="Picture 6" descr="https://www.hub4tech.com/sites/default/files/InterviewQA/oracle.png?1444985428"/>
+          <p:cNvPicPr>
+            <a:picLocks noChangeAspect="1" noChangeArrowheads="1"/>
+          </p:cNvPicPr>
+          <p:nvPr/>
+        </p:nvPicPr>
+        <p:blipFill>
+          <a:blip r:embed="rId4">
+            <a:extLst>
+              <a:ext uri="{28A0092B-C50C-407E-A947-70E740481C1C}">
+                <a14:useLocalDpi xmlns:a14="http://schemas.microsoft.com/office/drawing/2010/main" val="0"/>
+              </a:ext>
+            </a:extLst>
+          </a:blip>
+          <a:srcRect/>
+          <a:stretch>
+            <a:fillRect/>
+          </a:stretch>
+        </p:blipFill>
+        <p:spPr bwMode="auto">
+          <a:xfrm>
+            <a:off x="742302" y="2046666"/>
+            <a:ext cx="1107424" cy="1162050"/>
+          </a:xfrm>
+          <a:prstGeom prst="rect">
+            <a:avLst/>
+          </a:prstGeom>
+          <a:noFill/>
+          <a:extLst>
+            <a:ext uri="{909E8E84-426E-40DD-AFC4-6F175D3DCCD1}">
+              <a14:hiddenFill xmlns:a14="http://schemas.microsoft.com/office/drawing/2010/main">
+                <a:solidFill>
+                  <a:srgbClr val="FFFFFF"/>
+                </a:solidFill>
+              </a14:hiddenFill>
+            </a:ext>
+          </a:extLst>
+        </p:spPr>
+      </p:pic>
+      <p:pic>
+        <p:nvPicPr>
+          <p:cNvPr id="7176" name="Picture 8" descr="http://eu.crucial.com/wcsstore/CrucialSAS/images/product-pages/icon-workload.png"/>
+          <p:cNvPicPr>
+            <a:picLocks noChangeAspect="1" noChangeArrowheads="1"/>
+          </p:cNvPicPr>
+          <p:nvPr/>
+        </p:nvPicPr>
+        <p:blipFill>
+          <a:blip r:embed="rId5">
+            <a:extLst>
+              <a:ext uri="{28A0092B-C50C-407E-A947-70E740481C1C}">
+                <a14:useLocalDpi xmlns:a14="http://schemas.microsoft.com/office/drawing/2010/main" val="0"/>
+              </a:ext>
+            </a:extLst>
+          </a:blip>
+          <a:srcRect/>
+          <a:stretch>
+            <a:fillRect/>
+          </a:stretch>
+        </p:blipFill>
+        <p:spPr bwMode="auto">
+          <a:xfrm>
+            <a:off x="5046816" y="3315395"/>
+            <a:ext cx="1195380" cy="1195381"/>
+          </a:xfrm>
+          <a:prstGeom prst="rect">
+            <a:avLst/>
+          </a:prstGeom>
+          <a:noFill/>
+          <a:extLst>
+            <a:ext uri="{909E8E84-426E-40DD-AFC4-6F175D3DCCD1}">
+              <a14:hiddenFill xmlns:a14="http://schemas.microsoft.com/office/drawing/2010/main">
+                <a:solidFill>
+                  <a:srgbClr val="FFFFFF"/>
+                </a:solidFill>
+              </a14:hiddenFill>
+            </a:ext>
+          </a:extLst>
+        </p:spPr>
+      </p:pic>
+      <p:sp>
+        <p:nvSpPr>
+          <p:cNvPr id="12" name="Retângulo de cantos arredondados 11"/>
+          <p:cNvSpPr/>
+          <p:nvPr/>
+        </p:nvSpPr>
+        <p:spPr>
+          <a:xfrm>
+            <a:off x="9429750" y="1762109"/>
+            <a:ext cx="2151615" cy="4057650"/>
+          </a:xfrm>
+          <a:prstGeom prst="roundRect">
+            <a:avLst/>
+          </a:prstGeom>
+        </p:spPr>
+        <p:style>
+          <a:lnRef idx="2">
+            <a:schemeClr val="accent1"/>
+          </a:lnRef>
+          <a:fillRef idx="1">
+            <a:schemeClr val="lt1"/>
+          </a:fillRef>
+          <a:effectRef idx="0">
+            <a:schemeClr val="accent1"/>
+          </a:effectRef>
+          <a:fontRef idx="minor">
+            <a:schemeClr val="dk1"/>
+          </a:fontRef>
+        </p:style>
+        <p:txBody>
+          <a:bodyPr rtlCol="0" anchor="ctr"/>
+          <a:lstStyle/>
+          <a:p>
+            <a:pPr algn="ctr"/>
+            <a:endParaRPr lang="pt-PT"/>
+          </a:p>
+        </p:txBody>
+      </p:sp>
+      <p:pic>
+        <p:nvPicPr>
+          <p:cNvPr id="7" name="Imagem 6"/>
+          <p:cNvPicPr>
+            <a:picLocks noChangeAspect="1"/>
+          </p:cNvPicPr>
+          <p:nvPr/>
+        </p:nvPicPr>
+        <p:blipFill>
+          <a:blip r:embed="rId6"/>
+          <a:stretch>
+            <a:fillRect/>
+          </a:stretch>
+        </p:blipFill>
+        <p:spPr>
+          <a:xfrm>
+            <a:off x="9959054" y="3390869"/>
+            <a:ext cx="1093006" cy="1093006"/>
+          </a:xfrm>
+          <a:prstGeom prst="ellipse">
+            <a:avLst/>
+          </a:prstGeom>
+          <a:ln w="63500" cap="rnd">
+            <a:solidFill>
+              <a:srgbClr val="FF0000"/>
+            </a:solidFill>
+          </a:ln>
+          <a:effectLst>
+            <a:outerShdw blurRad="381000" dist="292100" dir="5400000" sx="-80000" sy="-18000" rotWithShape="0">
+              <a:srgbClr val="000000">
+                <a:alpha val="22000"/>
+              </a:srgbClr>
+            </a:outerShdw>
+          </a:effectLst>
+          <a:scene3d>
+            <a:camera prst="orthographicFront"/>
+            <a:lightRig rig="contrasting" dir="t">
+              <a:rot lat="0" lon="0" rev="3000000"/>
+            </a:lightRig>
+          </a:scene3d>
+          <a:sp3d contourW="7620">
+            <a:bevelT w="95250" h="31750"/>
+            <a:contourClr>
+              <a:srgbClr val="333333"/>
+            </a:contourClr>
+          </a:sp3d>
+        </p:spPr>
+      </p:pic>
+      <p:pic>
+        <p:nvPicPr>
+          <p:cNvPr id="7182" name="Picture 14" descr="http://www.semparar.com.br/taxi/img/sem-parar.png?data20150616"/>
+          <p:cNvPicPr>
+            <a:picLocks noChangeAspect="1" noChangeArrowheads="1"/>
+          </p:cNvPicPr>
+          <p:nvPr/>
+        </p:nvPicPr>
+        <p:blipFill>
+          <a:blip r:embed="rId7">
+            <a:extLst>
+              <a:ext uri="{28A0092B-C50C-407E-A947-70E740481C1C}">
+                <a14:useLocalDpi xmlns:a14="http://schemas.microsoft.com/office/drawing/2010/main" val="0"/>
+              </a:ext>
+            </a:extLst>
+          </a:blip>
+          <a:srcRect/>
+          <a:stretch>
+            <a:fillRect/>
+          </a:stretch>
+        </p:blipFill>
+        <p:spPr bwMode="auto">
+          <a:xfrm>
+            <a:off x="10684865" y="2005006"/>
+            <a:ext cx="734390" cy="734391"/>
+          </a:xfrm>
+          <a:prstGeom prst="rect">
+            <a:avLst/>
+          </a:prstGeom>
+          <a:noFill/>
+          <a:extLst>
+            <a:ext uri="{909E8E84-426E-40DD-AFC4-6F175D3DCCD1}">
+              <a14:hiddenFill xmlns:a14="http://schemas.microsoft.com/office/drawing/2010/main">
+                <a:solidFill>
+                  <a:srgbClr val="FFFFFF"/>
+                </a:solidFill>
+              </a14:hiddenFill>
+            </a:ext>
+          </a:extLst>
+        </p:spPr>
+      </p:pic>
+      <p:pic>
+        <p:nvPicPr>
+          <p:cNvPr id="16" name="Imagem 15"/>
+          <p:cNvPicPr>
+            <a:picLocks noChangeAspect="1"/>
+          </p:cNvPicPr>
+          <p:nvPr/>
+        </p:nvPicPr>
+        <p:blipFill>
+          <a:blip r:embed="rId6"/>
+          <a:stretch>
+            <a:fillRect/>
+          </a:stretch>
+        </p:blipFill>
+        <p:spPr>
+          <a:xfrm>
+            <a:off x="3896660" y="2081188"/>
+            <a:ext cx="1093006" cy="1093006"/>
+          </a:xfrm>
+          <a:prstGeom prst="rect">
+            <a:avLst/>
+          </a:prstGeom>
+        </p:spPr>
+      </p:pic>
+      <p:pic>
+        <p:nvPicPr>
+          <p:cNvPr id="7184" name="Picture 16" descr="http://s.glbimg.com/po/tt/f/original/2012/04/25/cloudapp-icon-512x5121.png"/>
+          <p:cNvPicPr>
+            <a:picLocks noChangeAspect="1" noChangeArrowheads="1"/>
+          </p:cNvPicPr>
+          <p:nvPr/>
+        </p:nvPicPr>
+        <p:blipFill>
+          <a:blip r:embed="rId8" cstate="print">
+            <a:extLst>
+              <a:ext uri="{28A0092B-C50C-407E-A947-70E740481C1C}">
+                <a14:useLocalDpi xmlns:a14="http://schemas.microsoft.com/office/drawing/2010/main" val="0"/>
+              </a:ext>
+            </a:extLst>
+          </a:blip>
+          <a:srcRect/>
+          <a:stretch>
+            <a:fillRect/>
+          </a:stretch>
+        </p:blipFill>
+        <p:spPr bwMode="auto">
+          <a:xfrm>
+            <a:off x="7950208" y="3295619"/>
+            <a:ext cx="1273159" cy="1273159"/>
+          </a:xfrm>
+          <a:prstGeom prst="rect">
+            <a:avLst/>
+          </a:prstGeom>
+          <a:noFill/>
+          <a:extLst>
+            <a:ext uri="{909E8E84-426E-40DD-AFC4-6F175D3DCCD1}">
+              <a14:hiddenFill xmlns:a14="http://schemas.microsoft.com/office/drawing/2010/main">
+                <a:solidFill>
+                  <a:srgbClr val="FFFFFF"/>
+                </a:solidFill>
+              </a14:hiddenFill>
+            </a:ext>
+          </a:extLst>
+        </p:spPr>
+      </p:pic>
+      <p:cxnSp>
+        <p:nvCxnSpPr>
+          <p:cNvPr id="9" name="Conector de seta reta 8"/>
+          <p:cNvCxnSpPr>
+            <a:stCxn id="16" idx="3"/>
+            <a:endCxn id="3" idx="1"/>
+          </p:cNvCxnSpPr>
+          <p:nvPr/>
+        </p:nvCxnSpPr>
+        <p:spPr>
+          <a:xfrm flipV="1">
+            <a:off x="4989666" y="2624137"/>
+            <a:ext cx="454341" cy="3554"/>
+          </a:xfrm>
+          <a:prstGeom prst="bentConnector3">
+            <a:avLst>
+              <a:gd name="adj1" fmla="val 50000"/>
+            </a:avLst>
+          </a:prstGeom>
+          <a:ln>
+            <a:tailEnd type="triangle"/>
+          </a:ln>
+        </p:spPr>
+        <p:style>
+          <a:lnRef idx="1">
+            <a:schemeClr val="accent1"/>
+          </a:lnRef>
+          <a:fillRef idx="0">
+            <a:schemeClr val="accent1"/>
+          </a:fillRef>
+          <a:effectRef idx="0">
+            <a:schemeClr val="accent1"/>
+          </a:effectRef>
+          <a:fontRef idx="minor">
+            <a:schemeClr val="tx1"/>
+          </a:fontRef>
+        </p:style>
+      </p:cxnSp>
+      <p:cxnSp>
+        <p:nvCxnSpPr>
+          <p:cNvPr id="20" name="Conector de seta reta 19"/>
+          <p:cNvCxnSpPr>
+            <a:stCxn id="7176" idx="3"/>
+            <a:endCxn id="7184" idx="1"/>
+          </p:cNvCxnSpPr>
+          <p:nvPr/>
+        </p:nvCxnSpPr>
+        <p:spPr>
+          <a:xfrm>
+            <a:off x="6242196" y="3913086"/>
+            <a:ext cx="1708012" cy="19113"/>
+          </a:xfrm>
+          <a:prstGeom prst="straightConnector1">
+            <a:avLst/>
+          </a:prstGeom>
+          <a:ln>
+            <a:tailEnd type="triangle"/>
+          </a:ln>
+        </p:spPr>
+        <p:style>
+          <a:lnRef idx="1">
+            <a:schemeClr val="accent1"/>
+          </a:lnRef>
+          <a:fillRef idx="0">
+            <a:schemeClr val="accent1"/>
+          </a:fillRef>
+          <a:effectRef idx="0">
+            <a:schemeClr val="accent1"/>
+          </a:effectRef>
+          <a:fontRef idx="minor">
+            <a:schemeClr val="tx1"/>
+          </a:fontRef>
+        </p:style>
+      </p:cxnSp>
+      <p:sp>
+        <p:nvSpPr>
+          <p:cNvPr id="27" name="Retângulo 26"/>
+          <p:cNvSpPr/>
+          <p:nvPr/>
+        </p:nvSpPr>
+        <p:spPr>
+          <a:xfrm>
+            <a:off x="3871776" y="3295619"/>
+            <a:ext cx="1101584" cy="600164"/>
+          </a:xfrm>
+          <a:prstGeom prst="rect">
+            <a:avLst/>
+          </a:prstGeom>
+          <a:noFill/>
+        </p:spPr>
+        <p:txBody>
+          <a:bodyPr wrap="none" lIns="91440" tIns="45720" rIns="91440" bIns="45720">
+            <a:spAutoFit/>
+          </a:bodyPr>
+          <a:lstStyle/>
+          <a:p>
+            <a:pPr algn="ctr"/>
+            <a:r>
+              <a:rPr lang="pt-BR" sz="1100" dirty="0" smtClean="0">
+                <a:ln w="0"/>
+                <a:effectLst>
+                  <a:outerShdw blurRad="38100" dist="19050" dir="2700000" algn="tl" rotWithShape="0">
+                    <a:schemeClr val="dk1">
+                      <a:alpha val="40000"/>
+                    </a:schemeClr>
+                  </a:outerShdw>
+                </a:effectLst>
+              </a:rPr>
+              <a:t>.NET WCF</a:t>
+            </a:r>
+          </a:p>
+          <a:p>
+            <a:pPr algn="ctr"/>
+            <a:r>
+              <a:rPr lang="pt-BR" sz="1100" b="0" cap="none" spc="0" dirty="0" smtClean="0">
+                <a:ln w="0"/>
+                <a:solidFill>
+                  <a:schemeClr val="tx1"/>
+                </a:solidFill>
+                <a:effectLst>
+                  <a:outerShdw blurRad="38100" dist="19050" dir="2700000" algn="tl" rotWithShape="0">
+                    <a:schemeClr val="dk1">
+                      <a:alpha val="40000"/>
+                    </a:schemeClr>
+                  </a:outerShdw>
+                </a:effectLst>
+              </a:rPr>
+              <a:t>Construção </a:t>
+            </a:r>
+            <a:r>
+              <a:rPr lang="pt-BR" sz="1100" b="0" cap="none" spc="0" dirty="0" smtClean="0">
+                <a:ln w="0"/>
+                <a:solidFill>
+                  <a:schemeClr val="tx1"/>
+                </a:solidFill>
+                <a:effectLst>
+                  <a:outerShdw blurRad="38100" dist="19050" dir="2700000" algn="tl" rotWithShape="0">
+                    <a:schemeClr val="dk1">
+                      <a:alpha val="40000"/>
+                    </a:schemeClr>
+                  </a:outerShdw>
+                </a:effectLst>
+              </a:rPr>
+              <a:t>do</a:t>
+            </a:r>
+          </a:p>
+          <a:p>
+            <a:pPr algn="ctr"/>
+            <a:r>
+              <a:rPr lang="pt-BR" sz="1100" b="0" cap="none" spc="0" dirty="0" smtClean="0">
+                <a:ln w="0"/>
+                <a:solidFill>
+                  <a:schemeClr val="tx1"/>
+                </a:solidFill>
+                <a:effectLst>
+                  <a:outerShdw blurRad="38100" dist="19050" dir="2700000" algn="tl" rotWithShape="0">
+                    <a:schemeClr val="dk1">
+                      <a:alpha val="40000"/>
+                    </a:schemeClr>
+                  </a:outerShdw>
+                </a:effectLst>
+              </a:rPr>
+              <a:t> </a:t>
+            </a:r>
+            <a:r>
+              <a:rPr lang="pt-BR" sz="1100" b="0" cap="none" spc="0" dirty="0" smtClean="0">
+                <a:ln w="0"/>
+                <a:solidFill>
+                  <a:schemeClr val="tx1"/>
+                </a:solidFill>
+                <a:effectLst>
+                  <a:outerShdw blurRad="38100" dist="19050" dir="2700000" algn="tl" rotWithShape="0">
+                    <a:schemeClr val="dk1">
+                      <a:alpha val="40000"/>
+                    </a:schemeClr>
+                  </a:outerShdw>
+                </a:effectLst>
+              </a:rPr>
+              <a:t>Webservice</a:t>
+            </a:r>
+            <a:endParaRPr lang="pt-BR" sz="1100" b="0" cap="none" spc="0" dirty="0">
+              <a:ln w="0"/>
+              <a:solidFill>
+                <a:schemeClr val="tx1"/>
+              </a:solidFill>
+              <a:effectLst>
+                <a:outerShdw blurRad="38100" dist="19050" dir="2700000" algn="tl" rotWithShape="0">
+                  <a:schemeClr val="dk1">
+                    <a:alpha val="40000"/>
+                  </a:schemeClr>
+                </a:outerShdw>
+              </a:effectLst>
+            </a:endParaRPr>
+          </a:p>
+        </p:txBody>
+      </p:sp>
+      <p:sp>
+        <p:nvSpPr>
+          <p:cNvPr id="37" name="Retângulo 36"/>
+          <p:cNvSpPr/>
+          <p:nvPr/>
+        </p:nvSpPr>
+        <p:spPr>
+          <a:xfrm>
+            <a:off x="6492280" y="2102866"/>
+            <a:ext cx="987165" cy="938719"/>
+          </a:xfrm>
+          <a:prstGeom prst="rect">
+            <a:avLst/>
+          </a:prstGeom>
+          <a:noFill/>
+        </p:spPr>
+        <p:txBody>
+          <a:bodyPr wrap="square" lIns="91440" tIns="45720" rIns="91440" bIns="45720">
+            <a:spAutoFit/>
+          </a:bodyPr>
+          <a:lstStyle/>
+          <a:p>
+            <a:pPr algn="ctr"/>
+            <a:r>
+              <a:rPr lang="pt-BR" sz="1100" dirty="0" smtClean="0">
+                <a:ln w="0"/>
+                <a:effectLst>
+                  <a:outerShdw blurRad="38100" dist="19050" dir="2700000" algn="tl" rotWithShape="0">
+                    <a:schemeClr val="dk1">
+                      <a:alpha val="40000"/>
+                    </a:schemeClr>
+                  </a:outerShdw>
+                </a:effectLst>
+              </a:rPr>
+              <a:t>IIS 7 ou 8</a:t>
+            </a:r>
+          </a:p>
+          <a:p>
+            <a:pPr algn="ctr"/>
+            <a:r>
+              <a:rPr lang="pt-BR" sz="1100" b="0" cap="none" spc="0" dirty="0" smtClean="0">
+                <a:ln w="0"/>
+                <a:solidFill>
+                  <a:schemeClr val="tx1"/>
+                </a:solidFill>
+                <a:effectLst>
+                  <a:outerShdw blurRad="38100" dist="19050" dir="2700000" algn="tl" rotWithShape="0">
+                    <a:schemeClr val="dk1">
+                      <a:alpha val="40000"/>
+                    </a:schemeClr>
+                  </a:outerShdw>
+                </a:effectLst>
+              </a:rPr>
+              <a:t>Para hospedar </a:t>
+            </a:r>
+          </a:p>
+          <a:p>
+            <a:pPr algn="ctr"/>
+            <a:r>
+              <a:rPr lang="pt-BR" sz="1100" dirty="0" smtClean="0">
+                <a:ln w="0"/>
+                <a:effectLst>
+                  <a:outerShdw blurRad="38100" dist="19050" dir="2700000" algn="tl" rotWithShape="0">
+                    <a:schemeClr val="dk1">
+                      <a:alpha val="40000"/>
+                    </a:schemeClr>
+                  </a:outerShdw>
+                </a:effectLst>
+              </a:rPr>
+              <a:t>Webservice WCF</a:t>
+            </a:r>
+            <a:endParaRPr lang="pt-BR" sz="1100" b="0" cap="none" spc="0" dirty="0">
+              <a:ln w="0"/>
+              <a:solidFill>
+                <a:schemeClr val="tx1"/>
+              </a:solidFill>
+              <a:effectLst>
+                <a:outerShdw blurRad="38100" dist="19050" dir="2700000" algn="tl" rotWithShape="0">
+                  <a:schemeClr val="dk1">
+                    <a:alpha val="40000"/>
+                  </a:schemeClr>
+                </a:outerShdw>
+              </a:effectLst>
+            </a:endParaRPr>
+          </a:p>
+        </p:txBody>
+      </p:sp>
+      <p:cxnSp>
+        <p:nvCxnSpPr>
+          <p:cNvPr id="48" name="Conector de seta reta 47"/>
+          <p:cNvCxnSpPr>
+            <a:stCxn id="7184" idx="3"/>
+            <a:endCxn id="7" idx="1"/>
+          </p:cNvCxnSpPr>
+          <p:nvPr/>
+        </p:nvCxnSpPr>
+        <p:spPr>
+          <a:xfrm>
+            <a:off x="9223367" y="3932199"/>
+            <a:ext cx="735687" cy="5173"/>
+          </a:xfrm>
+          <a:prstGeom prst="straightConnector1">
+            <a:avLst/>
+          </a:prstGeom>
+          <a:ln>
+            <a:tailEnd type="triangle"/>
+          </a:ln>
+        </p:spPr>
+        <p:style>
+          <a:lnRef idx="1">
+            <a:schemeClr val="accent1"/>
+          </a:lnRef>
+          <a:fillRef idx="0">
+            <a:schemeClr val="accent1"/>
+          </a:fillRef>
+          <a:effectRef idx="0">
+            <a:schemeClr val="accent1"/>
+          </a:effectRef>
+          <a:fontRef idx="minor">
+            <a:schemeClr val="tx1"/>
+          </a:fontRef>
+        </p:style>
+      </p:cxnSp>
+      <p:sp>
+        <p:nvSpPr>
+          <p:cNvPr id="51" name="Retângulo 50"/>
+          <p:cNvSpPr/>
+          <p:nvPr/>
+        </p:nvSpPr>
+        <p:spPr>
+          <a:xfrm>
+            <a:off x="8256408" y="4492619"/>
+            <a:ext cx="660758" cy="261610"/>
+          </a:xfrm>
+          <a:prstGeom prst="rect">
+            <a:avLst/>
+          </a:prstGeom>
+          <a:noFill/>
+        </p:spPr>
+        <p:txBody>
+          <a:bodyPr wrap="none" lIns="91440" tIns="45720" rIns="91440" bIns="45720">
+            <a:spAutoFit/>
+          </a:bodyPr>
+          <a:lstStyle/>
+          <a:p>
+            <a:pPr algn="ctr"/>
+            <a:r>
+              <a:rPr lang="pt-BR" sz="1100" dirty="0" smtClean="0">
+                <a:ln w="0"/>
+                <a:effectLst>
+                  <a:outerShdw blurRad="38100" dist="19050" dir="2700000" algn="tl" rotWithShape="0">
+                    <a:schemeClr val="dk1">
+                      <a:alpha val="40000"/>
+                    </a:schemeClr>
+                  </a:outerShdw>
+                </a:effectLst>
+              </a:rPr>
+              <a:t>Internet</a:t>
+            </a:r>
+            <a:endParaRPr lang="pt-BR" sz="1100" b="0" cap="none" spc="0" dirty="0">
+              <a:ln w="0"/>
+              <a:solidFill>
+                <a:schemeClr val="tx1"/>
+              </a:solidFill>
+              <a:effectLst>
+                <a:outerShdw blurRad="38100" dist="19050" dir="2700000" algn="tl" rotWithShape="0">
+                  <a:schemeClr val="dk1">
+                    <a:alpha val="40000"/>
+                  </a:schemeClr>
+                </a:outerShdw>
+              </a:effectLst>
+            </a:endParaRPr>
+          </a:p>
+        </p:txBody>
+      </p:sp>
+      <p:sp>
+        <p:nvSpPr>
+          <p:cNvPr id="7177" name="Retângulo 7176"/>
+          <p:cNvSpPr/>
+          <p:nvPr/>
+        </p:nvSpPr>
+        <p:spPr>
+          <a:xfrm>
+            <a:off x="386179" y="5991225"/>
+            <a:ext cx="7357652" cy="400050"/>
+          </a:xfrm>
+          <a:prstGeom prst="rect">
+            <a:avLst/>
+          </a:prstGeom>
+        </p:spPr>
+        <p:style>
+          <a:lnRef idx="1">
+            <a:schemeClr val="accent6"/>
+          </a:lnRef>
+          <a:fillRef idx="3">
+            <a:schemeClr val="accent6"/>
+          </a:fillRef>
+          <a:effectRef idx="2">
+            <a:schemeClr val="accent6"/>
+          </a:effectRef>
+          <a:fontRef idx="minor">
+            <a:schemeClr val="lt1"/>
+          </a:fontRef>
+        </p:style>
+        <p:txBody>
+          <a:bodyPr rtlCol="0" anchor="ctr"/>
+          <a:lstStyle/>
+          <a:p>
+            <a:pPr algn="ctr"/>
+            <a:r>
+              <a:rPr lang="pt-BR" dirty="0" smtClean="0"/>
+              <a:t>Rede Interna</a:t>
+            </a:r>
+            <a:endParaRPr lang="pt-PT" dirty="0"/>
+          </a:p>
+        </p:txBody>
+      </p:sp>
+      <p:cxnSp>
+        <p:nvCxnSpPr>
+          <p:cNvPr id="40" name="Conector de seta reta 39"/>
+          <p:cNvCxnSpPr>
+            <a:endCxn id="16" idx="1"/>
+          </p:cNvCxnSpPr>
+          <p:nvPr/>
+        </p:nvCxnSpPr>
+        <p:spPr>
+          <a:xfrm>
+            <a:off x="1849726" y="2627691"/>
+            <a:ext cx="2046934" cy="0"/>
+          </a:xfrm>
+          <a:prstGeom prst="straightConnector1">
+            <a:avLst/>
+          </a:prstGeom>
+          <a:ln>
+            <a:tailEnd type="triangle"/>
+          </a:ln>
+        </p:spPr>
+        <p:style>
+          <a:lnRef idx="1">
+            <a:schemeClr val="accent1"/>
+          </a:lnRef>
+          <a:fillRef idx="0">
+            <a:schemeClr val="accent1"/>
+          </a:fillRef>
+          <a:effectRef idx="0">
+            <a:schemeClr val="accent1"/>
+          </a:effectRef>
+          <a:fontRef idx="minor">
+            <a:schemeClr val="tx1"/>
+          </a:fontRef>
+        </p:style>
+      </p:cxnSp>
+      <p:cxnSp>
+        <p:nvCxnSpPr>
+          <p:cNvPr id="45" name="Conector de seta reta 8"/>
+          <p:cNvCxnSpPr>
+            <a:stCxn id="3" idx="1"/>
+            <a:endCxn id="7176" idx="0"/>
+          </p:cNvCxnSpPr>
+          <p:nvPr/>
+        </p:nvCxnSpPr>
+        <p:spPr>
+          <a:xfrm rot="10800000" flipH="1" flipV="1">
+            <a:off x="5444006" y="2624137"/>
+            <a:ext cx="200499" cy="691258"/>
+          </a:xfrm>
+          <a:prstGeom prst="bentConnector4">
+            <a:avLst>
+              <a:gd name="adj1" fmla="val -114016"/>
+              <a:gd name="adj2" fmla="val 84793"/>
+            </a:avLst>
+          </a:prstGeom>
+          <a:ln>
+            <a:tailEnd type="triangle"/>
+          </a:ln>
+        </p:spPr>
+        <p:style>
+          <a:lnRef idx="1">
+            <a:schemeClr val="accent1"/>
+          </a:lnRef>
+          <a:fillRef idx="0">
+            <a:schemeClr val="accent1"/>
+          </a:fillRef>
+          <a:effectRef idx="0">
+            <a:schemeClr val="accent1"/>
+          </a:effectRef>
+          <a:fontRef idx="minor">
+            <a:schemeClr val="tx1"/>
+          </a:fontRef>
+        </p:style>
+      </p:cxnSp>
+      <p:sp>
+        <p:nvSpPr>
+          <p:cNvPr id="49" name="Retângulo 48"/>
+          <p:cNvSpPr/>
+          <p:nvPr/>
+        </p:nvSpPr>
+        <p:spPr>
+          <a:xfrm>
+            <a:off x="3909096" y="4583487"/>
+            <a:ext cx="3470823" cy="430887"/>
+          </a:xfrm>
+          <a:prstGeom prst="rect">
+            <a:avLst/>
+          </a:prstGeom>
+          <a:noFill/>
+        </p:spPr>
+        <p:txBody>
+          <a:bodyPr wrap="none" lIns="91440" tIns="45720" rIns="91440" bIns="45720">
+            <a:spAutoFit/>
+          </a:bodyPr>
+          <a:lstStyle/>
+          <a:p>
+            <a:pPr algn="ctr"/>
+            <a:r>
+              <a:rPr lang="pt-BR" sz="1100" dirty="0" smtClean="0">
+                <a:ln w="0"/>
+                <a:effectLst>
+                  <a:outerShdw blurRad="38100" dist="19050" dir="2700000" algn="tl" rotWithShape="0">
+                    <a:schemeClr val="dk1">
+                      <a:alpha val="40000"/>
+                    </a:schemeClr>
+                  </a:outerShdw>
+                </a:effectLst>
+              </a:rPr>
+              <a:t>Componentes .NET C# para:</a:t>
+            </a:r>
+          </a:p>
+          <a:p>
+            <a:pPr marL="171450" indent="-171450" algn="ctr">
+              <a:buFont typeface="Arial" panose="020B0604020202020204" pitchFamily="34" charset="0"/>
+              <a:buChar char="•"/>
+            </a:pPr>
+            <a:r>
+              <a:rPr lang="pt-BR" sz="1100" dirty="0" smtClean="0">
+                <a:ln w="0"/>
+                <a:effectLst>
+                  <a:outerShdw blurRad="38100" dist="19050" dir="2700000" algn="tl" rotWithShape="0">
+                    <a:schemeClr val="dk1">
+                      <a:alpha val="40000"/>
+                    </a:schemeClr>
+                  </a:outerShdw>
+                </a:effectLst>
+              </a:rPr>
+              <a:t>Consumo </a:t>
+            </a:r>
+            <a:r>
+              <a:rPr lang="pt-BR" sz="1100" dirty="0" smtClean="0">
+                <a:ln w="0"/>
+                <a:effectLst>
+                  <a:outerShdw blurRad="38100" dist="19050" dir="2700000" algn="tl" rotWithShape="0">
+                    <a:schemeClr val="dk1">
+                      <a:alpha val="40000"/>
+                    </a:schemeClr>
+                  </a:outerShdw>
+                </a:effectLst>
+              </a:rPr>
+              <a:t>serviço Sem Parar via requisição HTTP</a:t>
+            </a:r>
+            <a:endParaRPr lang="pt-BR" sz="1100" dirty="0" smtClean="0">
+              <a:ln w="0"/>
+              <a:effectLst>
+                <a:outerShdw blurRad="38100" dist="19050" dir="2700000" algn="tl" rotWithShape="0">
+                  <a:schemeClr val="dk1">
+                    <a:alpha val="40000"/>
+                  </a:schemeClr>
+                </a:outerShdw>
+              </a:effectLst>
+            </a:endParaRPr>
+          </a:p>
+        </p:txBody>
+      </p:sp>
+    </p:spTree>
+    <p:extLst>
+      <p:ext uri="{BB962C8B-B14F-4D97-AF65-F5344CB8AC3E}">
+        <p14:creationId xmlns:p14="http://schemas.microsoft.com/office/powerpoint/2010/main" val="2458690343"/>
+      </p:ext>
+    </p:extLst>
+  </p:cSld>
+  <p:clrMapOvr>
+    <a:masterClrMapping/>
+  </p:clrMapOvr>
+  <mc:AlternateContent xmlns:mc="http://schemas.openxmlformats.org/markup-compatibility/2006">
+    <mc:Choice xmlns:p14="http://schemas.microsoft.com/office/powerpoint/2010/main" Requires="p14">
+      <p:transition spd="med" p14:dur="700">
+        <p:fade/>
+      </p:transition>
+    </mc:Choice>
+    <mc:Fallback>
+      <p:transition spd="med">
+        <p:fade/>
+      </p:transition>
+    </mc:Fallback>
+  </mc:AlternateContent>
+  <p:timing>
+    <p:tnLst>
+      <p:par>
+        <p:cTn id="1" dur="indefinite" restart="never" nodeType="tmRoot"/>
+      </p:par>
+    </p:tnLst>
+  </p:timing>
+</p:sld>
+</file>
+
+<file path=ppt/slides/slide46.xml><?xml version="1.0" encoding="utf-8"?>
+<p:sld xmlns:a="http://schemas.openxmlformats.org/drawingml/2006/main" xmlns:r="http://schemas.openxmlformats.org/officeDocument/2006/relationships" xmlns:p="http://schemas.openxmlformats.org/presentationml/2006/main">
+  <p:cSld>
+    <p:spTree>
+      <p:nvGrpSpPr>
+        <p:cNvPr id="1" name=""/>
+        <p:cNvGrpSpPr/>
+        <p:nvPr/>
+      </p:nvGrpSpPr>
+      <p:grpSpPr>
+        <a:xfrm>
+          <a:off x="0" y="0"/>
+          <a:ext cx="0" cy="0"/>
+          <a:chOff x="0" y="0"/>
+          <a:chExt cx="0" cy="0"/>
+        </a:xfrm>
+      </p:grpSpPr>
+      <p:sp>
+        <p:nvSpPr>
+          <p:cNvPr id="14338" name="Título 1"/>
+          <p:cNvSpPr>
+            <a:spLocks noGrp="1"/>
+          </p:cNvSpPr>
+          <p:nvPr>
+            <p:ph type="ctrTitle"/>
+          </p:nvPr>
+        </p:nvSpPr>
+        <p:spPr/>
+        <p:txBody>
+          <a:bodyPr/>
+          <a:lstStyle/>
+          <a:p>
+            <a:pPr>
+              <a:buSzPct val="100000"/>
+            </a:pPr>
+            <a:r>
+              <a:rPr lang="pt-BR" b="1" dirty="0" smtClean="0"/>
+              <a:t>Introdução Plataforma .NET e Serviços com WCF</a:t>
+            </a:r>
+          </a:p>
+        </p:txBody>
+      </p:sp>
+      <p:sp>
+        <p:nvSpPr>
+          <p:cNvPr id="3" name="Espaço Reservado para Texto 2"/>
+          <p:cNvSpPr>
+            <a:spLocks noGrp="1"/>
+          </p:cNvSpPr>
+          <p:nvPr>
+            <p:ph type="subTitle" idx="1"/>
+          </p:nvPr>
+        </p:nvSpPr>
+        <p:spPr/>
+        <p:txBody>
+          <a:bodyPr>
+            <a:noAutofit/>
+          </a:bodyPr>
+          <a:lstStyle/>
+          <a:p>
+            <a:pPr>
+              <a:buFont typeface="Segoe UI" pitchFamily="34" charset="0"/>
+              <a:buNone/>
+            </a:pPr>
+            <a:r>
+              <a:rPr lang="pt-BR" sz="2400" dirty="0" err="1" smtClean="0">
+                <a:solidFill>
+                  <a:schemeClr val="bg1">
+                    <a:lumMod val="50000"/>
+                  </a:schemeClr>
+                </a:solidFill>
+              </a:rPr>
+              <a:t>MBCorp</a:t>
+            </a:r>
+            <a:r>
+              <a:rPr lang="pt-BR" sz="2400" dirty="0" smtClean="0">
+                <a:solidFill>
+                  <a:schemeClr val="bg1">
+                    <a:lumMod val="50000"/>
+                  </a:schemeClr>
+                </a:solidFill>
+              </a:rPr>
+              <a:t> | Treinamento e Consultoria em Arquitetura e </a:t>
+            </a:r>
+            <a:r>
+              <a:rPr lang="pt-BR" sz="2400" dirty="0" err="1" smtClean="0">
+                <a:solidFill>
+                  <a:schemeClr val="bg1">
+                    <a:lumMod val="50000"/>
+                  </a:schemeClr>
+                </a:solidFill>
+              </a:rPr>
+              <a:t>Gestão</a:t>
+            </a:r>
+            <a:r>
+              <a:rPr lang="pt-BR" sz="2400" dirty="0" err="1" smtClean="0">
+                <a:solidFill>
+                  <a:srgbClr val="FFFFFF"/>
+                </a:solidFill>
+              </a:rPr>
+              <a:t>ftware</a:t>
+            </a:r>
+            <a:endParaRPr lang="pt-BR" sz="2400" dirty="0" smtClean="0">
+              <a:solidFill>
+                <a:srgbClr val="FFFFFF"/>
+              </a:solidFill>
+            </a:endParaRPr>
+          </a:p>
+          <a:p>
+            <a:pPr>
+              <a:buFont typeface="Segoe UI" pitchFamily="34" charset="0"/>
+              <a:buNone/>
+            </a:pPr>
+            <a:r>
+              <a:rPr lang="pt-BR" sz="2400" dirty="0" smtClean="0">
+                <a:solidFill>
+                  <a:srgbClr val="FFFFFF"/>
+                </a:solidFill>
+              </a:rPr>
+              <a:t>Revisitando Orientação a Objetos</a:t>
+            </a:r>
+          </a:p>
+          <a:p>
+            <a:pPr>
+              <a:buFont typeface="Segoe UI" pitchFamily="34" charset="0"/>
+              <a:buNone/>
+            </a:pPr>
+            <a:r>
+              <a:rPr lang="pt-BR" sz="2400" dirty="0" smtClean="0">
+                <a:solidFill>
+                  <a:srgbClr val="FFFFFF"/>
+                </a:solidFill>
+              </a:rPr>
+              <a:t>S.O.L.I.D</a:t>
+            </a:r>
+          </a:p>
+        </p:txBody>
+      </p:sp>
+    </p:spTree>
+    <p:extLst>
+      <p:ext uri="{BB962C8B-B14F-4D97-AF65-F5344CB8AC3E}">
+        <p14:creationId xmlns:p14="http://schemas.microsoft.com/office/powerpoint/2010/main" val="351503388"/>
+      </p:ext>
+    </p:extLst>
+  </p:cSld>
+  <p:clrMapOvr>
+    <a:masterClrMapping/>
+  </p:clrMapOvr>
+  <mc:AlternateContent xmlns:mc="http://schemas.openxmlformats.org/markup-compatibility/2006" xmlns:p14="http://schemas.microsoft.com/office/powerpoint/2010/main">
+    <mc:Choice Requires="p14">
+      <p:transition spd="med" p14:dur="700">
+        <p:fade/>
+      </p:transition>
+    </mc:Choice>
+    <mc:Fallback xmlns="">
       <p:transition spd="med">
         <p:fade/>
       </p:transition>
@@ -29987,14 +31834,6 @@
               </a:rPr>
               <a:t>19:00</a:t>
             </a:r>
-            <a:endParaRPr lang="pt-BR" sz="6600" b="1" dirty="0" smtClean="0">
-              <a:solidFill>
-                <a:schemeClr val="tx1">
-                  <a:lumMod val="95000"/>
-                  <a:lumOff val="5000"/>
-                </a:schemeClr>
-              </a:solidFill>
-            </a:endParaRPr>
           </a:p>
           <a:p>
             <a:pPr algn="ctr"/>
@@ -30139,7 +31978,6 @@
               <a:rPr lang="pt-BR" b="1" dirty="0" smtClean="0"/>
               <a:t>INTRODUÇÃO PLATAFORMA .NET</a:t>
             </a:r>
-            <a:endParaRPr lang="pt-BR" b="1" dirty="0" smtClean="0"/>
           </a:p>
         </p:txBody>
       </p:sp>
@@ -30274,7 +32112,6 @@
               <a:rPr lang="pt-BR" b="1" dirty="0" smtClean="0"/>
               <a:t>PLATAFORMA .NET</a:t>
             </a:r>
-            <a:endParaRPr lang="pt-BR" b="1" dirty="0" smtClean="0"/>
           </a:p>
         </p:txBody>
       </p:sp>
@@ -30308,7 +32145,6 @@
               <a:rPr lang="pt-BR" sz="4800" dirty="0" smtClean="0"/>
               <a:t>Plataforma única de desenvolvimento e execução de aplicações.</a:t>
             </a:r>
-            <a:endParaRPr lang="pt-BR" sz="4800" dirty="0" smtClean="0"/>
           </a:p>
         </p:txBody>
       </p:sp>
